--- a/10questionsBeingAsked.pptx
+++ b/10questionsBeingAsked.pptx
@@ -145,6 +145,11 @@
       </a:defRPr>
     </a:lvl9pPr>
   </p:defaultTextStyle>
+  <p:extLst>
+    <p:ext uri="{EFAFB233-063F-42B5-8137-9DF3F51BA10A}">
+      <p15:sldGuideLst xmlns:p15="http://schemas.microsoft.com/office/powerpoint/2012/main"/>
+    </p:ext>
+  </p:extLst>
 </p:presentation>
 </file>
 
@@ -901,6 +906,108 @@
 </file>
 
 <file path=ppt/notesSlides/notesSlide3.xml><?xml version="1.0" encoding="utf-8"?>
+<p:notes xmlns:a="http://schemas.openxmlformats.org/drawingml/2006/main" xmlns:r="http://schemas.openxmlformats.org/officeDocument/2006/relationships" xmlns:p="http://schemas.openxmlformats.org/presentationml/2006/main">
+  <p:cSld>
+    <p:spTree>
+      <p:nvGrpSpPr>
+        <p:cNvPr id="1" name=""/>
+        <p:cNvGrpSpPr/>
+        <p:nvPr/>
+      </p:nvGrpSpPr>
+      <p:grpSpPr>
+        <a:xfrm>
+          <a:off x="0" y="0"/>
+          <a:ext cx="0" cy="0"/>
+          <a:chOff x="0" y="0"/>
+          <a:chExt cx="0" cy="0"/>
+        </a:xfrm>
+      </p:grpSpPr>
+      <p:sp>
+        <p:nvSpPr>
+          <p:cNvPr id="2" name="投影片影像版面配置區 1"/>
+          <p:cNvSpPr>
+            <a:spLocks noGrp="1" noRot="1" noChangeAspect="1"/>
+          </p:cNvSpPr>
+          <p:nvPr>
+            <p:ph type="sldImg"/>
+          </p:nvPr>
+        </p:nvSpPr>
+        <p:spPr>
+          <a:xfrm>
+            <a:off x="217488" y="812800"/>
+            <a:ext cx="7124700" cy="4008438"/>
+          </a:xfrm>
+        </p:spPr>
+      </p:sp>
+      <p:sp>
+        <p:nvSpPr>
+          <p:cNvPr id="3" name="備忘稿版面配置區 2"/>
+          <p:cNvSpPr>
+            <a:spLocks noGrp="1"/>
+          </p:cNvSpPr>
+          <p:nvPr>
+            <p:ph type="body" idx="1"/>
+          </p:nvPr>
+        </p:nvSpPr>
+        <p:spPr/>
+        <p:txBody>
+          <a:bodyPr/>
+          <a:lstStyle/>
+          <a:p>
+            <a:endParaRPr kumimoji="1" lang="zh-TW" altLang="en-US" dirty="0"/>
+          </a:p>
+        </p:txBody>
+      </p:sp>
+      <p:sp>
+        <p:nvSpPr>
+          <p:cNvPr id="4" name="投影片編號版面配置區 3"/>
+          <p:cNvSpPr>
+            <a:spLocks noGrp="1"/>
+          </p:cNvSpPr>
+          <p:nvPr>
+            <p:ph type="sldNum" idx="14"/>
+          </p:nvPr>
+        </p:nvSpPr>
+        <p:spPr/>
+        <p:txBody>
+          <a:bodyPr/>
+          <a:lstStyle/>
+          <a:p>
+            <a:pPr indent="0" algn="r">
+              <a:buNone/>
+            </a:pPr>
+            <a:fld id="{EC7CCBEE-3217-472A-95ED-8D598E5AA1DF}" type="slidenum">
+              <a:rPr lang="en-GB" sz="1400" b="0" strike="noStrike" spc="-1" smtClean="0">
+                <a:solidFill>
+                  <a:srgbClr val="000000"/>
+                </a:solidFill>
+                <a:latin typeface="Times New Roman"/>
+              </a:rPr>
+              <a:t>5</a:t>
+            </a:fld>
+            <a:endParaRPr lang="en-GB" sz="1400" b="0" strike="noStrike" spc="-1">
+              <a:solidFill>
+                <a:srgbClr val="000000"/>
+              </a:solidFill>
+              <a:latin typeface="Times New Roman"/>
+            </a:endParaRPr>
+          </a:p>
+        </p:txBody>
+      </p:sp>
+    </p:spTree>
+    <p:extLst>
+      <p:ext uri="{BB962C8B-B14F-4D97-AF65-F5344CB8AC3E}">
+        <p14:creationId xmlns:p14="http://schemas.microsoft.com/office/powerpoint/2010/main" val="1198864988"/>
+      </p:ext>
+    </p:extLst>
+  </p:cSld>
+  <p:clrMapOvr>
+    <a:masterClrMapping/>
+  </p:clrMapOvr>
+</p:notes>
+</file>
+
+<file path=ppt/notesSlides/notesSlide4.xml><?xml version="1.0" encoding="utf-8"?>
 <p:notes xmlns:a="http://schemas.openxmlformats.org/drawingml/2006/main" xmlns:r="http://schemas.openxmlformats.org/officeDocument/2006/relationships" xmlns:p="http://schemas.openxmlformats.org/presentationml/2006/main">
   <p:cSld>
     <p:spTree>
@@ -19637,7 +19744,7 @@
               </a:tabLst>
             </a:pPr>
             <a:r>
-              <a:rPr lang="en-GB" sz="2200" b="1" strike="noStrike" spc="-1">
+              <a:rPr lang="en-GB" sz="2200" b="1" strike="noStrike" spc="-1" dirty="0">
                 <a:solidFill>
                   <a:srgbClr val="000000"/>
                 </a:solidFill>
@@ -19647,7 +19754,7 @@
               <a:t>  Typescript</a:t>
             </a:r>
             <a:r>
-              <a:rPr lang="zh-TW" sz="2200" b="1" strike="noStrike" spc="-1">
+              <a:rPr lang="zh-TW" sz="2200" b="1" strike="noStrike" spc="-1" dirty="0">
                 <a:solidFill>
                   <a:srgbClr val="000000"/>
                 </a:solidFill>
@@ -19657,7 +19764,7 @@
               <a:t>與</a:t>
             </a:r>
             <a:r>
-              <a:rPr lang="en-GB" sz="2200" b="1" strike="noStrike" spc="-1">
+              <a:rPr lang="en-GB" sz="2200" b="1" strike="noStrike" spc="-1" dirty="0" err="1">
                 <a:solidFill>
                   <a:srgbClr val="000000"/>
                 </a:solidFill>
@@ -19667,7 +19774,7 @@
               <a:t>javascript</a:t>
             </a:r>
             <a:r>
-              <a:rPr lang="zh-TW" sz="2200" b="1" strike="noStrike" spc="-1">
+              <a:rPr lang="zh-TW" sz="2200" b="1" strike="noStrike" spc="-1" dirty="0">
                 <a:solidFill>
                   <a:srgbClr val="000000"/>
                 </a:solidFill>
@@ -19677,7 +19784,7 @@
               <a:t>不同之處</a:t>
             </a:r>
             <a:r>
-              <a:rPr lang="en-GB" sz="2200" b="1" strike="noStrike" spc="-1">
+              <a:rPr lang="en-GB" sz="2200" b="1" strike="noStrike" spc="-1" dirty="0">
                 <a:solidFill>
                   <a:srgbClr val="000000"/>
                 </a:solidFill>
@@ -19687,7 +19794,7 @@
               <a:t>(</a:t>
             </a:r>
             <a:r>
-              <a:rPr lang="zh-TW" sz="2200" b="1" strike="noStrike" spc="-1">
+              <a:rPr lang="zh-TW" sz="2200" b="1" strike="noStrike" spc="-1" dirty="0">
                 <a:solidFill>
                   <a:srgbClr val="000000"/>
                 </a:solidFill>
@@ -19697,7 +19804,7 @@
               <a:t>一</a:t>
             </a:r>
             <a:r>
-              <a:rPr lang="en-GB" sz="2200" b="1" strike="noStrike" spc="-1">
+              <a:rPr lang="en-GB" sz="2200" b="1" strike="noStrike" spc="-1" dirty="0">
                 <a:solidFill>
                   <a:srgbClr val="000000"/>
                 </a:solidFill>
@@ -19706,7 +19813,7 @@
               </a:rPr>
               <a:t>)</a:t>
             </a:r>
-            <a:endParaRPr lang="en-GB" sz="2200" b="0" strike="noStrike" spc="-1">
+            <a:endParaRPr lang="en-GB" sz="2200" b="0" strike="noStrike" spc="-1" dirty="0">
               <a:solidFill>
                 <a:srgbClr val="000000"/>
               </a:solidFill>
@@ -19723,7 +19830,7 @@
         </p:nvSpPr>
         <p:spPr>
           <a:xfrm>
-            <a:off x="970560" y="1325880"/>
+            <a:off x="964919" y="1376820"/>
             <a:ext cx="10947600" cy="5297760"/>
           </a:xfrm>
           <a:prstGeom prst="rect">
@@ -19761,369 +19868,14 @@
               </a:spcAft>
             </a:pPr>
             <a:r>
-              <a:rPr lang="en-GB" sz="1800" b="0" strike="noStrike" spc="-1" dirty="0">
-                <a:solidFill>
-                  <a:srgbClr val="000000"/>
-                </a:solidFill>
-                <a:latin typeface="Arial"/>
-                <a:ea typeface="微軟正黑體"/>
-              </a:rPr>
-              <a:t>Typescript</a:t>
-            </a:r>
-            <a:r>
-              <a:rPr lang="zh-TW" sz="1800" b="0" strike="noStrike" spc="-1" dirty="0">
-                <a:solidFill>
-                  <a:srgbClr val="000000"/>
-                </a:solidFill>
-                <a:latin typeface="Arial"/>
-                <a:ea typeface="微軟正黑體"/>
-              </a:rPr>
-              <a:t>與</a:t>
-            </a:r>
-            <a:r>
               <a:rPr lang="en-GB" sz="1800" b="0" strike="noStrike" spc="-1" dirty="0" err="1">
                 <a:solidFill>
                   <a:srgbClr val="000000"/>
                 </a:solidFill>
                 <a:latin typeface="Arial"/>
-                <a:ea typeface="微軟正黑體"/>
-              </a:rPr>
-              <a:t>javascript</a:t>
-            </a:r>
-            <a:r>
-              <a:rPr lang="zh-TW" sz="1800" b="0" strike="noStrike" spc="-1" dirty="0">
-                <a:solidFill>
-                  <a:srgbClr val="000000"/>
-                </a:solidFill>
-                <a:latin typeface="Arial"/>
-                <a:ea typeface="微軟正黑體"/>
-              </a:rPr>
-              <a:t>的不同之處主要為</a:t>
-            </a:r>
-            <a:r>
-              <a:rPr lang="en-GB" sz="1800" b="0" strike="noStrike" spc="-1" dirty="0">
-                <a:solidFill>
-                  <a:srgbClr val="000000"/>
-                </a:solidFill>
-                <a:latin typeface="Arial"/>
-                <a:ea typeface="微軟正黑體"/>
-              </a:rPr>
-              <a:t>Typescript</a:t>
-            </a:r>
-            <a:r>
-              <a:rPr lang="zh-TW" sz="1800" b="0" strike="noStrike" spc="-1" dirty="0">
-                <a:solidFill>
-                  <a:srgbClr val="000000"/>
-                </a:solidFill>
-                <a:latin typeface="Arial"/>
-                <a:ea typeface="微軟正黑體"/>
-              </a:rPr>
-              <a:t>需要強型別。</a:t>
-            </a:r>
-            <a:endParaRPr lang="en-GB" sz="1800" b="0" strike="noStrike" spc="-1" dirty="0">
-              <a:solidFill>
-                <a:srgbClr val="000000"/>
-              </a:solidFill>
-              <a:latin typeface="Arial"/>
-            </a:endParaRPr>
-          </a:p>
-          <a:p>
-            <a:pPr>
-              <a:lnSpc>
-                <a:spcPct val="100000"/>
-              </a:lnSpc>
-              <a:spcAft>
-                <a:spcPts val="992"/>
-              </a:spcAft>
-            </a:pPr>
-            <a:r>
-              <a:rPr lang="zh-TW" sz="1800" b="0" strike="noStrike" spc="-1" dirty="0">
-                <a:solidFill>
-                  <a:srgbClr val="000000"/>
-                </a:solidFill>
-                <a:latin typeface="Arial"/>
-                <a:ea typeface="微軟正黑體"/>
-              </a:rPr>
-              <a:t>因此</a:t>
-            </a:r>
-            <a:r>
-              <a:rPr lang="en-GB" sz="1800" b="0" strike="noStrike" spc="-1" dirty="0">
-                <a:solidFill>
-                  <a:srgbClr val="000000"/>
-                </a:solidFill>
-                <a:latin typeface="Arial"/>
-                <a:ea typeface="微軟正黑體"/>
-              </a:rPr>
-              <a:t>Typescript</a:t>
-            </a:r>
-            <a:r>
-              <a:rPr lang="zh-TW" sz="1800" b="0" strike="noStrike" spc="-1" dirty="0">
-                <a:solidFill>
-                  <a:srgbClr val="000000"/>
-                </a:solidFill>
-                <a:latin typeface="Arial"/>
-                <a:ea typeface="微軟正黑體"/>
-              </a:rPr>
-              <a:t>在程式寫作上可以規範得更靈活。</a:t>
-            </a:r>
-            <a:endParaRPr lang="en-GB" sz="1800" b="0" strike="noStrike" spc="-1" dirty="0">
-              <a:solidFill>
-                <a:srgbClr val="000000"/>
-              </a:solidFill>
-              <a:latin typeface="Arial"/>
-            </a:endParaRPr>
-          </a:p>
-          <a:p>
-            <a:pPr>
-              <a:lnSpc>
-                <a:spcPct val="100000"/>
-              </a:lnSpc>
-              <a:spcAft>
-                <a:spcPts val="992"/>
-              </a:spcAft>
-            </a:pPr>
-            <a:r>
-              <a:rPr lang="zh-TW" sz="1800" b="0" strike="noStrike" spc="-1" dirty="0">
-                <a:solidFill>
-                  <a:srgbClr val="000000"/>
-                </a:solidFill>
-                <a:latin typeface="Arial"/>
-                <a:ea typeface="微軟正黑體"/>
-              </a:rPr>
-              <a:t>舉例一</a:t>
-            </a:r>
-            <a:r>
-              <a:rPr lang="en-GB" sz="1800" b="0" strike="noStrike" spc="-1" dirty="0">
-                <a:solidFill>
-                  <a:srgbClr val="000000"/>
-                </a:solidFill>
-                <a:latin typeface="Arial"/>
-                <a:ea typeface="微軟正黑體"/>
-              </a:rPr>
-              <a:t>(interface):</a:t>
-            </a:r>
-            <a:endParaRPr lang="en-GB" sz="1800" b="0" strike="noStrike" spc="-1" dirty="0">
-              <a:solidFill>
-                <a:srgbClr val="000000"/>
-              </a:solidFill>
-              <a:latin typeface="Arial"/>
-            </a:endParaRPr>
-          </a:p>
-          <a:p>
-            <a:pPr>
-              <a:lnSpc>
-                <a:spcPct val="100000"/>
-              </a:lnSpc>
-              <a:spcAft>
-                <a:spcPts val="992"/>
-              </a:spcAft>
-            </a:pPr>
-            <a:r>
-              <a:rPr lang="zh-TW" sz="1800" b="0" strike="noStrike" spc="-1" dirty="0">
-                <a:solidFill>
-                  <a:srgbClr val="000000"/>
-                </a:solidFill>
-                <a:latin typeface="Arial"/>
-                <a:ea typeface="微軟正黑體"/>
-              </a:rPr>
-              <a:t>可以在</a:t>
-            </a:r>
-            <a:r>
-              <a:rPr lang="en-GB" sz="1800" b="0" strike="noStrike" spc="-1" dirty="0">
-                <a:solidFill>
-                  <a:srgbClr val="000000"/>
-                </a:solidFill>
-                <a:latin typeface="Arial"/>
-                <a:ea typeface="微軟正黑體"/>
-              </a:rPr>
-              <a:t>interface</a:t>
-            </a:r>
-            <a:r>
-              <a:rPr lang="zh-TW" sz="1800" b="0" strike="noStrike" spc="-1" dirty="0">
-                <a:solidFill>
-                  <a:srgbClr val="000000"/>
-                </a:solidFill>
-                <a:latin typeface="Arial"/>
-                <a:ea typeface="微軟正黑體"/>
-              </a:rPr>
-              <a:t>中進行抽象方法宣告。</a:t>
-            </a:r>
-            <a:endParaRPr lang="en-GB" sz="1800" b="0" strike="noStrike" spc="-1" dirty="0">
-              <a:solidFill>
-                <a:srgbClr val="000000"/>
-              </a:solidFill>
-              <a:latin typeface="Arial"/>
-            </a:endParaRPr>
-          </a:p>
-          <a:p>
-            <a:pPr>
-              <a:lnSpc>
-                <a:spcPct val="100000"/>
-              </a:lnSpc>
-              <a:spcAft>
-                <a:spcPts val="992"/>
-              </a:spcAft>
-            </a:pPr>
-            <a:r>
-              <a:rPr lang="zh-TW" sz="1800" b="0" strike="noStrike" spc="-1" dirty="0">
-                <a:solidFill>
-                  <a:srgbClr val="000000"/>
-                </a:solidFill>
-                <a:latin typeface="Arial"/>
-                <a:ea typeface="微軟正黑體"/>
-              </a:rPr>
-              <a:t>並且在使用的</a:t>
-            </a:r>
-            <a:r>
-              <a:rPr lang="en-GB" sz="1800" b="0" strike="noStrike" spc="-1" dirty="0">
-                <a:solidFill>
-                  <a:srgbClr val="000000"/>
-                </a:solidFill>
-                <a:latin typeface="Arial"/>
-                <a:ea typeface="微軟正黑體"/>
-              </a:rPr>
-              <a:t>class</a:t>
-            </a:r>
-            <a:r>
-              <a:rPr lang="zh-TW" sz="1800" b="0" strike="noStrike" spc="-1" dirty="0">
-                <a:solidFill>
-                  <a:srgbClr val="000000"/>
-                </a:solidFill>
-                <a:latin typeface="Arial"/>
-                <a:ea typeface="微軟正黑體"/>
-              </a:rPr>
-              <a:t>中進行方法定義。</a:t>
-            </a:r>
-            <a:endParaRPr lang="en-GB" sz="1800" b="0" strike="noStrike" spc="-1" dirty="0">
-              <a:solidFill>
-                <a:srgbClr val="000000"/>
-              </a:solidFill>
-              <a:latin typeface="Arial"/>
-            </a:endParaRPr>
-          </a:p>
-          <a:p>
-            <a:pPr>
-              <a:lnSpc>
-                <a:spcPct val="100000"/>
-              </a:lnSpc>
-              <a:spcAft>
-                <a:spcPts val="992"/>
-              </a:spcAft>
-            </a:pPr>
-            <a:endParaRPr lang="en-GB" sz="1800" b="0" strike="noStrike" spc="-1" dirty="0">
-              <a:solidFill>
-                <a:srgbClr val="000000"/>
-              </a:solidFill>
-              <a:latin typeface="Arial"/>
-            </a:endParaRPr>
-          </a:p>
-          <a:p>
-            <a:pPr>
-              <a:lnSpc>
-                <a:spcPct val="100000"/>
-              </a:lnSpc>
-              <a:spcAft>
-                <a:spcPts val="992"/>
-              </a:spcAft>
-            </a:pPr>
-            <a:r>
-              <a:rPr lang="en-GB" sz="1800" b="0" strike="noStrike" spc="-1" dirty="0">
-                <a:solidFill>
-                  <a:srgbClr val="000000"/>
-                </a:solidFill>
-                <a:latin typeface="Arial"/>
-                <a:ea typeface="微軟正黑體"/>
-              </a:rPr>
-              <a:t>Class </a:t>
-            </a:r>
-            <a:r>
-              <a:rPr lang="zh-TW" sz="1800" b="0" strike="noStrike" spc="-1" dirty="0">
-                <a:solidFill>
-                  <a:srgbClr val="000000"/>
-                </a:solidFill>
-                <a:latin typeface="Arial"/>
-                <a:ea typeface="微軟正黑體"/>
-              </a:rPr>
-              <a:t>是類別，其中定義的方法不是抽象的方法。</a:t>
-            </a:r>
-            <a:endParaRPr lang="en-GB" sz="1800" b="0" strike="noStrike" spc="-1" dirty="0">
-              <a:solidFill>
-                <a:srgbClr val="000000"/>
-              </a:solidFill>
-              <a:latin typeface="Arial"/>
-            </a:endParaRPr>
-          </a:p>
-          <a:p>
-            <a:pPr>
-              <a:lnSpc>
-                <a:spcPct val="100000"/>
-              </a:lnSpc>
-              <a:spcAft>
-                <a:spcPts val="992"/>
-              </a:spcAft>
-            </a:pPr>
-            <a:r>
-              <a:rPr lang="en-GB" sz="1800" b="0" strike="noStrike" spc="-1" dirty="0">
-                <a:solidFill>
-                  <a:srgbClr val="000000"/>
-                </a:solidFill>
-                <a:latin typeface="Arial"/>
-                <a:ea typeface="微軟正黑體"/>
-              </a:rPr>
-              <a:t>Interface</a:t>
-            </a:r>
-            <a:r>
-              <a:rPr lang="zh-TW" sz="1800" b="0" strike="noStrike" spc="-1" dirty="0">
-                <a:solidFill>
-                  <a:srgbClr val="000000"/>
-                </a:solidFill>
-                <a:latin typeface="Arial"/>
-                <a:ea typeface="微軟正黑體"/>
-              </a:rPr>
-              <a:t>先進行了宣告。並且規範以其為依賴的類別。</a:t>
-            </a:r>
-            <a:endParaRPr lang="en-GB" sz="1800" b="0" strike="noStrike" spc="-1" dirty="0">
-              <a:solidFill>
-                <a:srgbClr val="000000"/>
-              </a:solidFill>
-              <a:latin typeface="Arial"/>
-            </a:endParaRPr>
-          </a:p>
-          <a:p>
-            <a:pPr>
-              <a:lnSpc>
-                <a:spcPct val="100000"/>
-              </a:lnSpc>
-              <a:spcAft>
-                <a:spcPts val="992"/>
-              </a:spcAft>
-            </a:pPr>
-            <a:r>
-              <a:rPr lang="zh-TW" sz="1800" b="0" strike="noStrike" spc="-1" dirty="0">
-                <a:solidFill>
-                  <a:srgbClr val="000000"/>
-                </a:solidFill>
-                <a:latin typeface="Arial"/>
-                <a:ea typeface="微軟正黑體"/>
-              </a:rPr>
-              <a:t>需得定義其中方法。</a:t>
-            </a:r>
-            <a:endParaRPr lang="en-GB" sz="1800" b="0" strike="noStrike" spc="-1" dirty="0">
-              <a:solidFill>
-                <a:srgbClr val="000000"/>
-              </a:solidFill>
-              <a:latin typeface="Arial"/>
-            </a:endParaRPr>
-          </a:p>
-          <a:p>
-            <a:pPr>
-              <a:lnSpc>
-                <a:spcPct val="100000"/>
-              </a:lnSpc>
-              <a:spcAft>
-                <a:spcPts val="992"/>
-              </a:spcAft>
-            </a:pPr>
+              </a:rPr>
+              <a:t>可以建立interface</a:t>
+            </a:r>
             <a:endParaRPr lang="en-GB" sz="1800" b="0" strike="noStrike" spc="-1" dirty="0">
               <a:solidFill>
                 <a:srgbClr val="000000"/>
@@ -20318,7 +20070,7 @@
         </p:blipFill>
         <p:spPr>
           <a:xfrm>
-            <a:off x="6660000" y="1795320"/>
+            <a:off x="1010640" y="1846260"/>
             <a:ext cx="5085360" cy="4828320"/>
           </a:xfrm>
           <a:prstGeom prst="rect">
@@ -21332,7 +21084,7 @@
               </a:tabLst>
             </a:pPr>
             <a:r>
-              <a:rPr lang="en-GB" sz="2200" b="1" strike="noStrike" spc="-1">
+              <a:rPr lang="en-GB" sz="2200" b="1" strike="noStrike" spc="-1" dirty="0">
                 <a:solidFill>
                   <a:srgbClr val="000000"/>
                 </a:solidFill>
@@ -21342,7 +21094,7 @@
               <a:t>  Typescript</a:t>
             </a:r>
             <a:r>
-              <a:rPr lang="zh-TW" sz="2200" b="1" strike="noStrike" spc="-1">
+              <a:rPr lang="zh-TW" sz="2200" b="1" strike="noStrike" spc="-1" dirty="0">
                 <a:solidFill>
                   <a:srgbClr val="000000"/>
                 </a:solidFill>
@@ -21352,7 +21104,7 @@
               <a:t>與</a:t>
             </a:r>
             <a:r>
-              <a:rPr lang="en-GB" sz="2200" b="1" strike="noStrike" spc="-1">
+              <a:rPr lang="en-GB" sz="2200" b="1" strike="noStrike" spc="-1" dirty="0" err="1">
                 <a:solidFill>
                   <a:srgbClr val="000000"/>
                 </a:solidFill>
@@ -21362,7 +21114,7 @@
               <a:t>javascript</a:t>
             </a:r>
             <a:r>
-              <a:rPr lang="zh-TW" sz="2200" b="1" strike="noStrike" spc="-1">
+              <a:rPr lang="zh-TW" sz="2200" b="1" strike="noStrike" spc="-1" dirty="0">
                 <a:solidFill>
                   <a:srgbClr val="000000"/>
                 </a:solidFill>
@@ -21372,7 +21124,7 @@
               <a:t>不同之處</a:t>
             </a:r>
             <a:r>
-              <a:rPr lang="en-GB" sz="2200" b="1" strike="noStrike" spc="-1">
+              <a:rPr lang="en-GB" sz="2200" b="1" strike="noStrike" spc="-1" dirty="0">
                 <a:solidFill>
                   <a:srgbClr val="000000"/>
                 </a:solidFill>
@@ -21382,7 +21134,7 @@
               <a:t>(</a:t>
             </a:r>
             <a:r>
-              <a:rPr lang="zh-TW" sz="2200" b="1" strike="noStrike" spc="-1">
+              <a:rPr lang="zh-TW" sz="2200" b="1" strike="noStrike" spc="-1" dirty="0">
                 <a:solidFill>
                   <a:srgbClr val="000000"/>
                 </a:solidFill>
@@ -21392,7 +21144,7 @@
               <a:t>三</a:t>
             </a:r>
             <a:r>
-              <a:rPr lang="en-GB" sz="2200" b="1" strike="noStrike" spc="-1">
+              <a:rPr lang="en-GB" sz="2200" b="1" strike="noStrike" spc="-1" dirty="0">
                 <a:solidFill>
                   <a:srgbClr val="000000"/>
                 </a:solidFill>
@@ -21401,7 +21153,7 @@
               </a:rPr>
               <a:t>)</a:t>
             </a:r>
-            <a:endParaRPr lang="en-GB" sz="2200" b="0" strike="noStrike" spc="-1">
+            <a:endParaRPr lang="en-GB" sz="2200" b="0" strike="noStrike" spc="-1" dirty="0">
               <a:solidFill>
                 <a:srgbClr val="000000"/>
               </a:solidFill>
@@ -21447,225 +21199,6 @@
           </a:bodyPr>
           <a:lstStyle/>
           <a:p>
-            <a:pPr marL="216000" indent="-216000">
-              <a:lnSpc>
-                <a:spcPct val="100000"/>
-              </a:lnSpc>
-              <a:spcAft>
-                <a:spcPts val="992"/>
-              </a:spcAft>
-              <a:buClr>
-                <a:srgbClr val="000000"/>
-              </a:buClr>
-              <a:buFont typeface="OpenSymbol"/>
-              <a:buAutoNum type="arabicPeriod"/>
-            </a:pPr>
-            <a:r>
-              <a:rPr lang="en-GB" sz="1800" b="0" strike="noStrike" spc="-1" dirty="0">
-                <a:solidFill>
-                  <a:srgbClr val="000000"/>
-                </a:solidFill>
-                <a:latin typeface="Arial"/>
-                <a:ea typeface="微軟正黑體"/>
-              </a:rPr>
-              <a:t>Type</a:t>
-            </a:r>
-            <a:r>
-              <a:rPr lang="zh-TW" sz="1800" b="0" strike="noStrike" spc="-1" dirty="0">
-                <a:solidFill>
-                  <a:srgbClr val="000000"/>
-                </a:solidFill>
-                <a:latin typeface="Arial"/>
-                <a:ea typeface="微軟正黑體"/>
-              </a:rPr>
-              <a:t>、</a:t>
-            </a:r>
-            <a:r>
-              <a:rPr lang="en-GB" sz="1800" b="0" strike="noStrike" spc="-1" dirty="0">
-                <a:solidFill>
-                  <a:srgbClr val="000000"/>
-                </a:solidFill>
-                <a:latin typeface="Arial"/>
-                <a:ea typeface="微軟正黑體"/>
-              </a:rPr>
-              <a:t>interface</a:t>
-            </a:r>
-            <a:endParaRPr lang="en-GB" sz="1800" b="0" strike="noStrike" spc="-1" dirty="0">
-              <a:solidFill>
-                <a:srgbClr val="000000"/>
-              </a:solidFill>
-              <a:latin typeface="Arial"/>
-            </a:endParaRPr>
-          </a:p>
-          <a:p>
-            <a:pPr marL="216000" indent="-216000">
-              <a:lnSpc>
-                <a:spcPct val="100000"/>
-              </a:lnSpc>
-              <a:spcAft>
-                <a:spcPts val="992"/>
-              </a:spcAft>
-              <a:buClr>
-                <a:srgbClr val="000000"/>
-              </a:buClr>
-              <a:buFont typeface="OpenSymbol"/>
-              <a:buAutoNum type="arabicPeriod"/>
-            </a:pPr>
-            <a:r>
-              <a:rPr lang="en-GB" sz="1800" b="0" strike="noStrike" spc="-1" dirty="0">
-                <a:solidFill>
-                  <a:srgbClr val="000000"/>
-                </a:solidFill>
-                <a:latin typeface="Arial"/>
-                <a:ea typeface="微軟正黑體"/>
-              </a:rPr>
-              <a:t>Decoration </a:t>
-            </a:r>
-            <a:r>
-              <a:rPr lang="zh-TW" sz="1800" b="0" strike="noStrike" spc="-1" dirty="0">
-                <a:solidFill>
-                  <a:srgbClr val="000000"/>
-                </a:solidFill>
-                <a:latin typeface="Arial"/>
-                <a:ea typeface="微軟正黑體"/>
-              </a:rPr>
-              <a:t>裝飾器</a:t>
-            </a:r>
-            <a:endParaRPr lang="en-GB" sz="1800" b="0" strike="noStrike" spc="-1" dirty="0">
-              <a:solidFill>
-                <a:srgbClr val="000000"/>
-              </a:solidFill>
-              <a:latin typeface="Arial"/>
-            </a:endParaRPr>
-          </a:p>
-          <a:p>
-            <a:pPr marL="216000" indent="-216000">
-              <a:lnSpc>
-                <a:spcPct val="100000"/>
-              </a:lnSpc>
-              <a:spcAft>
-                <a:spcPts val="992"/>
-              </a:spcAft>
-              <a:buClr>
-                <a:srgbClr val="000000"/>
-              </a:buClr>
-              <a:buFont typeface="OpenSymbol"/>
-              <a:buAutoNum type="arabicPeriod"/>
-            </a:pPr>
-            <a:r>
-              <a:rPr lang="en-GB" sz="1800" b="0" strike="noStrike" spc="-1" dirty="0">
-                <a:solidFill>
-                  <a:srgbClr val="000000"/>
-                </a:solidFill>
-                <a:latin typeface="Arial"/>
-                <a:ea typeface="微軟正黑體"/>
-              </a:rPr>
-              <a:t>Infer </a:t>
-            </a:r>
-            <a:r>
-              <a:rPr lang="zh-TW" sz="1800" b="0" strike="noStrike" spc="-1" dirty="0">
-                <a:solidFill>
-                  <a:srgbClr val="000000"/>
-                </a:solidFill>
-                <a:latin typeface="Arial"/>
-                <a:ea typeface="微軟正黑體"/>
-              </a:rPr>
-              <a:t>提取</a:t>
-            </a:r>
-            <a:endParaRPr lang="en-GB" sz="1800" b="0" strike="noStrike" spc="-1" dirty="0">
-              <a:solidFill>
-                <a:srgbClr val="000000"/>
-              </a:solidFill>
-              <a:latin typeface="Arial"/>
-            </a:endParaRPr>
-          </a:p>
-          <a:p>
-            <a:pPr>
-              <a:lnSpc>
-                <a:spcPct val="100000"/>
-              </a:lnSpc>
-              <a:spcAft>
-                <a:spcPts val="992"/>
-              </a:spcAft>
-            </a:pPr>
-            <a:r>
-              <a:rPr lang="en-GB" sz="1800" b="0" strike="noStrike" spc="-1" dirty="0" err="1">
-                <a:solidFill>
-                  <a:srgbClr val="000000"/>
-                </a:solidFill>
-                <a:latin typeface="Arial"/>
-                <a:ea typeface="微軟正黑體"/>
-              </a:rPr>
-              <a:t>Link:https</a:t>
-            </a:r>
-            <a:r>
-              <a:rPr lang="en-GB" sz="1800" b="0" strike="noStrike" spc="-1" dirty="0">
-                <a:solidFill>
-                  <a:srgbClr val="000000"/>
-                </a:solidFill>
-                <a:latin typeface="Arial"/>
-                <a:ea typeface="微軟正黑體"/>
-              </a:rPr>
-              <a:t>://</a:t>
-            </a:r>
-            <a:r>
-              <a:rPr lang="en-GB" sz="1800" b="0" strike="noStrike" spc="-1" dirty="0" err="1">
-                <a:solidFill>
-                  <a:srgbClr val="000000"/>
-                </a:solidFill>
-                <a:latin typeface="Arial"/>
-                <a:ea typeface="微軟正黑體"/>
-              </a:rPr>
-              <a:t>github.com</a:t>
-            </a:r>
-            <a:r>
-              <a:rPr lang="en-GB" sz="1800" b="0" strike="noStrike" spc="-1" dirty="0">
-                <a:solidFill>
-                  <a:srgbClr val="000000"/>
-                </a:solidFill>
-                <a:latin typeface="Arial"/>
-                <a:ea typeface="微軟正黑體"/>
-              </a:rPr>
-              <a:t>/</a:t>
-            </a:r>
-            <a:r>
-              <a:rPr lang="en-GB" sz="1800" b="0" strike="noStrike" spc="-1" dirty="0" err="1">
-                <a:solidFill>
-                  <a:srgbClr val="000000"/>
-                </a:solidFill>
-                <a:latin typeface="Arial"/>
-                <a:ea typeface="微軟正黑體"/>
-              </a:rPr>
-              <a:t>typescriptSyntax</a:t>
-            </a:r>
-            <a:r>
-              <a:rPr lang="en-GB" sz="1800" b="0" strike="noStrike" spc="-1" dirty="0">
-                <a:solidFill>
-                  <a:srgbClr val="000000"/>
-                </a:solidFill>
-                <a:latin typeface="Arial"/>
-                <a:ea typeface="微軟正黑體"/>
-              </a:rPr>
-              <a:t>/</a:t>
-            </a:r>
-            <a:r>
-              <a:rPr lang="en-GB" sz="1800" b="0" strike="noStrike" spc="-1" dirty="0" err="1">
-                <a:solidFill>
-                  <a:srgbClr val="000000"/>
-                </a:solidFill>
-                <a:latin typeface="Arial"/>
-                <a:ea typeface="微軟正黑體"/>
-              </a:rPr>
-              <a:t>specialSyntax</a:t>
-            </a:r>
-            <a:endParaRPr lang="en-GB" sz="1800" b="0" strike="noStrike" spc="-1" dirty="0">
-              <a:solidFill>
-                <a:srgbClr val="000000"/>
-              </a:solidFill>
-              <a:latin typeface="Arial"/>
-            </a:endParaRPr>
-          </a:p>
-          <a:p>
             <a:pPr>
               <a:lnSpc>
                 <a:spcPct val="100000"/>
@@ -21796,6 +21329,37 @@
           </a:p>
         </p:txBody>
       </p:sp>
+      <p:pic>
+        <p:nvPicPr>
+          <p:cNvPr id="2" name="圖片 1">
+            <a:hlinkClick r:id="rId2"/>
+            <a:extLst>
+              <a:ext uri="{FF2B5EF4-FFF2-40B4-BE49-F238E27FC236}">
+                <a16:creationId xmlns:a16="http://schemas.microsoft.com/office/drawing/2014/main" id="{6AF8AEF7-6719-BBCC-DA1E-5CBAF74BEDE4}"/>
+              </a:ext>
+            </a:extLst>
+          </p:cNvPr>
+          <p:cNvPicPr>
+            <a:picLocks noChangeAspect="1"/>
+          </p:cNvPicPr>
+          <p:nvPr/>
+        </p:nvPicPr>
+        <p:blipFill>
+          <a:blip r:embed="rId3"/>
+          <a:stretch>
+            <a:fillRect/>
+          </a:stretch>
+        </p:blipFill>
+        <p:spPr>
+          <a:xfrm>
+            <a:off x="970560" y="1397880"/>
+            <a:ext cx="5726529" cy="5225760"/>
+          </a:xfrm>
+          <a:prstGeom prst="rect">
+            <a:avLst/>
+          </a:prstGeom>
+        </p:spPr>
+      </p:pic>
     </p:spTree>
   </p:cSld>
   <p:clrMapOvr>
@@ -22650,6 +22214,7 @@
           <a:lstStyle/>
           <a:p>
             <a:fld id="{AD721F0B-57B4-496E-A22C-E61F56B2E18A}" type="slidenum">
+              <a:rPr/>
               <a:t>13</a:t>
             </a:fld>
             <a:endParaRPr/>
@@ -23099,66 +22664,26 @@
               </a:spcBef>
             </a:pPr>
             <a:r>
-              <a:rPr lang="en-GB" sz="2400" b="0" strike="noStrike" spc="-1">
+              <a:rPr lang="en-GB" sz="2400" b="0" strike="noStrike" spc="-1" dirty="0" err="1">
                 <a:solidFill>
                   <a:srgbClr val="000000"/>
                 </a:solidFill>
                 <a:latin typeface="Arial"/>
                 <a:ea typeface="微軟正黑體"/>
               </a:rPr>
-              <a:t>standalone</a:t>
-            </a:r>
-            <a:r>
-              <a:rPr lang="zh-TW" sz="2400" b="0" strike="noStrike" spc="-1">
+              <a:t>Standalone組件，按需引入。減少imports數量</a:t>
+            </a:r>
+            <a:r>
+              <a:rPr lang="en-GB" sz="2400" b="0" strike="noStrike" spc="-1" dirty="0">
                 <a:solidFill>
                   <a:srgbClr val="000000"/>
                 </a:solidFill>
                 <a:latin typeface="Arial"/>
                 <a:ea typeface="微軟正黑體"/>
               </a:rPr>
-              <a:t>組件可將</a:t>
-            </a:r>
-            <a:r>
-              <a:rPr lang="en-GB" sz="2400" b="0" strike="noStrike" spc="-1">
-                <a:solidFill>
-                  <a:srgbClr val="000000"/>
-                </a:solidFill>
-                <a:latin typeface="Arial"/>
-                <a:ea typeface="微軟正黑體"/>
-              </a:rPr>
-              <a:t>html</a:t>
-            </a:r>
-            <a:r>
-              <a:rPr lang="zh-TW" sz="2400" b="0" strike="noStrike" spc="-1">
-                <a:solidFill>
-                  <a:srgbClr val="000000"/>
-                </a:solidFill>
-                <a:latin typeface="Arial"/>
-                <a:ea typeface="微軟正黑體"/>
-              </a:rPr>
-              <a:t>與</a:t>
-            </a:r>
-            <a:r>
-              <a:rPr lang="en-GB" sz="2400" b="0" strike="noStrike" spc="-1">
-                <a:solidFill>
-                  <a:srgbClr val="000000"/>
-                </a:solidFill>
-                <a:latin typeface="Arial"/>
-                <a:ea typeface="微軟正黑體"/>
-              </a:rPr>
-              <a:t>js</a:t>
-            </a:r>
-            <a:r>
-              <a:rPr lang="zh-TW" sz="2400" b="0" strike="noStrike" spc="-1">
-                <a:solidFill>
-                  <a:srgbClr val="000000"/>
-                </a:solidFill>
-                <a:latin typeface="Arial"/>
-                <a:ea typeface="微軟正黑體"/>
-              </a:rPr>
-              <a:t>結合，成為一個組件，並當作對象，於其他檔案進行引用。</a:t>
-            </a:r>
-            <a:endParaRPr lang="en-GB" sz="2400" b="0" strike="noStrike" spc="-1">
+              <a:t>。	</a:t>
+            </a:r>
+            <a:endParaRPr lang="en-GB" sz="2400" b="0" strike="noStrike" spc="-1" dirty="0">
               <a:solidFill>
                 <a:srgbClr val="000000"/>
               </a:solidFill>
@@ -23170,21 +22695,8 @@
               <a:lnSpc>
                 <a:spcPct val="100000"/>
               </a:lnSpc>
-              <a:spcBef>
-                <a:spcPts val="1134"/>
-              </a:spcBef>
-            </a:pPr>
-            <a:r>
-              <a:rPr lang="zh-TW" sz="2400" b="0" strike="noStrike" spc="-1">
-                <a:solidFill>
-                  <a:srgbClr val="000000"/>
-                </a:solidFill>
-                <a:latin typeface="Arial"/>
-                <a:ea typeface="微軟正黑體"/>
-              </a:rPr>
-              <a:t>可以讓代碼之間不互相干擾。並且可以重複復用。</a:t>
-            </a:r>
-            <a:endParaRPr lang="en-GB" sz="2400" b="0" strike="noStrike" spc="-1">
+            </a:pPr>
+            <a:endParaRPr lang="en-GB" sz="2000" b="0" strike="noStrike" spc="-1" dirty="0">
               <a:solidFill>
                 <a:srgbClr val="000000"/>
               </a:solidFill>
@@ -23196,21 +22708,8 @@
               <a:lnSpc>
                 <a:spcPct val="100000"/>
               </a:lnSpc>
-              <a:spcBef>
-                <a:spcPts val="1134"/>
-              </a:spcBef>
-            </a:pPr>
-            <a:r>
-              <a:rPr lang="en-GB" sz="2400" b="0" strike="noStrike" spc="-1">
-                <a:solidFill>
-                  <a:srgbClr val="000000"/>
-                </a:solidFill>
-                <a:latin typeface="Arial"/>
-                <a:ea typeface="微軟正黑體"/>
-              </a:rPr>
-              <a:t> 	</a:t>
-            </a:r>
-            <a:endParaRPr lang="en-GB" sz="2400" b="0" strike="noStrike" spc="-1">
+            </a:pPr>
+            <a:endParaRPr lang="en-GB" sz="2000" b="0" strike="noStrike" spc="-1" dirty="0">
               <a:solidFill>
                 <a:srgbClr val="000000"/>
               </a:solidFill>
@@ -23223,7 +22722,7 @@
                 <a:spcPct val="100000"/>
               </a:lnSpc>
             </a:pPr>
-            <a:endParaRPr lang="en-GB" sz="2000" b="0" strike="noStrike" spc="-1">
+            <a:endParaRPr lang="en-GB" sz="2000" b="0" strike="noStrike" spc="-1" dirty="0">
               <a:solidFill>
                 <a:srgbClr val="000000"/>
               </a:solidFill>
@@ -23236,7 +22735,7 @@
                 <a:spcPct val="100000"/>
               </a:lnSpc>
             </a:pPr>
-            <a:endParaRPr lang="en-GB" sz="2000" b="0" strike="noStrike" spc="-1">
+            <a:endParaRPr lang="en-GB" sz="2000" b="0" strike="noStrike" spc="-1" dirty="0">
               <a:solidFill>
                 <a:srgbClr val="000000"/>
               </a:solidFill>
@@ -23249,7 +22748,7 @@
                 <a:spcPct val="100000"/>
               </a:lnSpc>
             </a:pPr>
-            <a:endParaRPr lang="en-GB" sz="2000" b="0" strike="noStrike" spc="-1">
+            <a:endParaRPr lang="en-GB" sz="1800" b="0" strike="noStrike" spc="-1" dirty="0">
               <a:solidFill>
                 <a:srgbClr val="000000"/>
               </a:solidFill>
@@ -23262,33 +22761,7 @@
                 <a:spcPct val="100000"/>
               </a:lnSpc>
             </a:pPr>
-            <a:endParaRPr lang="en-GB" sz="2000" b="0" strike="noStrike" spc="-1">
-              <a:solidFill>
-                <a:srgbClr val="000000"/>
-              </a:solidFill>
-              <a:latin typeface="Arial"/>
-            </a:endParaRPr>
-          </a:p>
-          <a:p>
-            <a:pPr>
-              <a:lnSpc>
-                <a:spcPct val="100000"/>
-              </a:lnSpc>
-            </a:pPr>
-            <a:endParaRPr lang="en-GB" sz="1800" b="0" strike="noStrike" spc="-1">
-              <a:solidFill>
-                <a:srgbClr val="000000"/>
-              </a:solidFill>
-              <a:latin typeface="Arial"/>
-            </a:endParaRPr>
-          </a:p>
-          <a:p>
-            <a:pPr>
-              <a:lnSpc>
-                <a:spcPct val="100000"/>
-              </a:lnSpc>
-            </a:pPr>
-            <a:endParaRPr lang="en-GB" sz="1000" b="0" strike="noStrike" spc="-1">
+            <a:endParaRPr lang="en-GB" sz="1000" b="0" strike="noStrike" spc="-1" dirty="0">
               <a:solidFill>
                 <a:srgbClr val="000000"/>
               </a:solidFill>
@@ -23309,7 +22782,7 @@
         </p:blipFill>
         <p:spPr>
           <a:xfrm>
-            <a:off x="900000" y="2880000"/>
+            <a:off x="599058" y="2278117"/>
             <a:ext cx="6219000" cy="3637440"/>
           </a:xfrm>
           <a:prstGeom prst="rect">
@@ -23485,7 +22958,7 @@
               </a:spcBef>
             </a:pPr>
             <a:r>
-              <a:rPr lang="zh-TW" sz="2400" b="0" strike="noStrike" spc="-1">
+              <a:rPr lang="zh-TW" sz="2400" b="0" strike="noStrike" spc="-1" dirty="0">
                 <a:solidFill>
                   <a:srgbClr val="000000"/>
                 </a:solidFill>
@@ -23495,7 +22968,7 @@
               <a:t>除了預設的</a:t>
             </a:r>
             <a:r>
-              <a:rPr lang="en-GB" sz="2400" b="0" strike="noStrike" spc="-1">
+              <a:rPr lang="en-GB" sz="2400" b="0" strike="noStrike" spc="-1" dirty="0">
                 <a:solidFill>
                   <a:srgbClr val="000000"/>
                 </a:solidFill>
@@ -23505,7 +22978,7 @@
               <a:t>directive</a:t>
             </a:r>
             <a:r>
-              <a:rPr lang="zh-TW" sz="2400" b="0" strike="noStrike" spc="-1">
+              <a:rPr lang="zh-TW" sz="2400" b="0" strike="noStrike" spc="-1" dirty="0">
                 <a:solidFill>
                   <a:srgbClr val="000000"/>
                 </a:solidFill>
@@ -23515,7 +22988,7 @@
               <a:t>以外，</a:t>
             </a:r>
             <a:r>
-              <a:rPr lang="en-GB" sz="2400" b="0" strike="noStrike" spc="-1">
+              <a:rPr lang="en-GB" sz="2400" b="0" strike="noStrike" spc="-1" dirty="0">
                 <a:solidFill>
                   <a:srgbClr val="000000"/>
                 </a:solidFill>
@@ -23525,7 +22998,7 @@
               <a:t>angular</a:t>
             </a:r>
             <a:r>
-              <a:rPr lang="zh-TW" sz="2400" b="0" strike="noStrike" spc="-1">
+              <a:rPr lang="zh-TW" sz="2400" b="0" strike="noStrike" spc="-1" dirty="0">
                 <a:solidFill>
                   <a:srgbClr val="000000"/>
                 </a:solidFill>
@@ -23535,7 +23008,7 @@
               <a:t>提供了客製化</a:t>
             </a:r>
             <a:r>
-              <a:rPr lang="en-GB" sz="2400" b="0" strike="noStrike" spc="-1">
+              <a:rPr lang="en-GB" sz="2400" b="0" strike="noStrike" spc="-1" dirty="0">
                 <a:solidFill>
                   <a:srgbClr val="000000"/>
                 </a:solidFill>
@@ -23545,7 +23018,7 @@
               <a:t>directive</a:t>
             </a:r>
             <a:r>
-              <a:rPr lang="zh-TW" sz="2400" b="0" strike="noStrike" spc="-1">
+              <a:rPr lang="zh-TW" sz="2400" b="0" strike="noStrike" spc="-1" dirty="0">
                 <a:solidFill>
                   <a:srgbClr val="000000"/>
                 </a:solidFill>
@@ -23554,7 +23027,7 @@
               </a:rPr>
               <a:t>的辦法。</a:t>
             </a:r>
-            <a:endParaRPr lang="en-GB" sz="2400" b="0" strike="noStrike" spc="-1">
+            <a:endParaRPr lang="en-GB" sz="2400" b="0" strike="noStrike" spc="-1" dirty="0">
               <a:solidFill>
                 <a:srgbClr val="000000"/>
               </a:solidFill>
@@ -23571,7 +23044,7 @@
               </a:spcBef>
             </a:pPr>
             <a:r>
-              <a:rPr lang="zh-TW" sz="2400" b="0" strike="noStrike" spc="-1">
+              <a:rPr lang="zh-TW" sz="2400" b="0" strike="noStrike" spc="-1" dirty="0">
                 <a:solidFill>
                   <a:srgbClr val="000000"/>
                 </a:solidFill>
@@ -23581,7 +23054,7 @@
               <a:t>如下所示會以</a:t>
             </a:r>
             <a:r>
-              <a:rPr lang="en-GB" sz="2400" b="0" strike="noStrike" spc="-1">
+              <a:rPr lang="en-GB" sz="2400" b="0" strike="noStrike" spc="-1" dirty="0" err="1">
                 <a:solidFill>
                   <a:srgbClr val="000000"/>
                 </a:solidFill>
@@ -23591,7 +23064,7 @@
               <a:t>js</a:t>
             </a:r>
             <a:r>
-              <a:rPr lang="zh-TW" sz="2400" b="0" strike="noStrike" spc="-1">
+              <a:rPr lang="zh-TW" sz="2400" b="0" strike="noStrike" spc="-1" dirty="0">
                 <a:solidFill>
                   <a:srgbClr val="000000"/>
                 </a:solidFill>
@@ -23601,7 +23074,7 @@
               <a:t>控制其</a:t>
             </a:r>
             <a:r>
-              <a:rPr lang="en-GB" sz="2400" b="0" strike="noStrike" spc="-1">
+              <a:rPr lang="en-GB" sz="2400" b="0" strike="noStrike" spc="-1" dirty="0">
                 <a:solidFill>
                   <a:srgbClr val="000000"/>
                 </a:solidFill>
@@ -23611,7 +23084,7 @@
               <a:t>style</a:t>
             </a:r>
             <a:r>
-              <a:rPr lang="zh-TW" sz="2400" b="0" strike="noStrike" spc="-1">
+              <a:rPr lang="zh-TW" sz="2400" b="0" strike="noStrike" spc="-1" dirty="0">
                 <a:solidFill>
                   <a:srgbClr val="000000"/>
                 </a:solidFill>
@@ -23620,7 +23093,7 @@
               </a:rPr>
               <a:t>變成黃色。</a:t>
             </a:r>
-            <a:endParaRPr lang="en-GB" sz="2400" b="0" strike="noStrike" spc="-1">
+            <a:endParaRPr lang="en-GB" sz="2400" b="0" strike="noStrike" spc="-1" dirty="0">
               <a:solidFill>
                 <a:srgbClr val="000000"/>
               </a:solidFill>
@@ -23636,7 +23109,7 @@
                 <a:spcPts val="1134"/>
               </a:spcBef>
             </a:pPr>
-            <a:endParaRPr lang="en-GB" sz="2400" b="0" strike="noStrike" spc="-1">
+            <a:endParaRPr lang="en-GB" sz="2400" b="0" strike="noStrike" spc="-1" dirty="0">
               <a:solidFill>
                 <a:srgbClr val="000000"/>
               </a:solidFill>
@@ -23653,7 +23126,7 @@
               </a:spcBef>
             </a:pPr>
             <a:r>
-              <a:rPr lang="en-GB" sz="2400" b="0" strike="noStrike" spc="-1">
+              <a:rPr lang="en-GB" sz="2400" b="0" strike="noStrike" spc="-1" dirty="0">
                 <a:solidFill>
                   <a:srgbClr val="000000"/>
                 </a:solidFill>
@@ -23662,7 +23135,7 @@
               </a:rPr>
               <a:t> 	</a:t>
             </a:r>
-            <a:endParaRPr lang="en-GB" sz="2400" b="0" strike="noStrike" spc="-1">
+            <a:endParaRPr lang="en-GB" sz="2400" b="0" strike="noStrike" spc="-1" dirty="0">
               <a:solidFill>
                 <a:srgbClr val="000000"/>
               </a:solidFill>
@@ -23675,7 +23148,7 @@
                 <a:spcPct val="100000"/>
               </a:lnSpc>
             </a:pPr>
-            <a:endParaRPr lang="en-GB" sz="2000" b="0" strike="noStrike" spc="-1">
+            <a:endParaRPr lang="en-GB" sz="2000" b="0" strike="noStrike" spc="-1" dirty="0">
               <a:solidFill>
                 <a:srgbClr val="000000"/>
               </a:solidFill>
@@ -23688,7 +23161,7 @@
                 <a:spcPct val="100000"/>
               </a:lnSpc>
             </a:pPr>
-            <a:endParaRPr lang="en-GB" sz="2000" b="0" strike="noStrike" spc="-1">
+            <a:endParaRPr lang="en-GB" sz="2000" b="0" strike="noStrike" spc="-1" dirty="0">
               <a:solidFill>
                 <a:srgbClr val="000000"/>
               </a:solidFill>
@@ -23701,7 +23174,7 @@
                 <a:spcPct val="100000"/>
               </a:lnSpc>
             </a:pPr>
-            <a:endParaRPr lang="en-GB" sz="2000" b="0" strike="noStrike" spc="-1">
+            <a:endParaRPr lang="en-GB" sz="2000" b="0" strike="noStrike" spc="-1" dirty="0">
               <a:solidFill>
                 <a:srgbClr val="000000"/>
               </a:solidFill>
@@ -23714,7 +23187,7 @@
                 <a:spcPct val="100000"/>
               </a:lnSpc>
             </a:pPr>
-            <a:endParaRPr lang="en-GB" sz="2000" b="0" strike="noStrike" spc="-1">
+            <a:endParaRPr lang="en-GB" sz="2000" b="0" strike="noStrike" spc="-1" dirty="0">
               <a:solidFill>
                 <a:srgbClr val="000000"/>
               </a:solidFill>
@@ -23727,7 +23200,7 @@
                 <a:spcPct val="100000"/>
               </a:lnSpc>
             </a:pPr>
-            <a:endParaRPr lang="en-GB" sz="1800" b="0" strike="noStrike" spc="-1">
+            <a:endParaRPr lang="en-GB" sz="1800" b="0" strike="noStrike" spc="-1" dirty="0">
               <a:solidFill>
                 <a:srgbClr val="000000"/>
               </a:solidFill>
@@ -23740,7 +23213,7 @@
                 <a:spcPct val="100000"/>
               </a:lnSpc>
             </a:pPr>
-            <a:endParaRPr lang="en-GB" sz="1000" b="0" strike="noStrike" spc="-1">
+            <a:endParaRPr lang="en-GB" sz="1000" b="0" strike="noStrike" spc="-1" dirty="0">
               <a:solidFill>
                 <a:srgbClr val="000000"/>
               </a:solidFill>
@@ -23811,6 +23284,7 @@
           <a:lstStyle/>
           <a:p>
             <a:fld id="{C53242B0-CFC0-442C-8F45-178481CF9D8E}" type="slidenum">
+              <a:rPr/>
               <a:t>16</a:t>
             </a:fld>
             <a:endParaRPr/>
@@ -23989,7 +23463,7 @@
               <a:t>減少組件與</a:t>
             </a:r>
             <a:r>
-              <a:rPr lang="en-US" altLang="zh-TW" sz="2400" b="0" strike="noStrike" spc="-1">
+              <a:rPr lang="en-US" altLang="zh-TW" sz="2400" b="0" strike="noStrike" spc="-1" dirty="0">
                 <a:solidFill>
                   <a:srgbClr val="000000"/>
                 </a:solidFill>
@@ -23999,24 +23473,14 @@
               <a:t>component</a:t>
             </a:r>
             <a:r>
-              <a:rPr lang="zh-TW" sz="2400" b="0" strike="noStrike" spc="-1">
+              <a:rPr lang="zh-TW" sz="2400" b="0" strike="noStrike" spc="-1" dirty="0">
                 <a:solidFill>
                   <a:srgbClr val="000000"/>
                 </a:solidFill>
                 <a:latin typeface="Arial"/>
                 <a:ea typeface="微軟正黑體"/>
               </a:rPr>
-              <a:t>的</a:t>
-            </a:r>
-            <a:r>
-              <a:rPr lang="zh-TW" sz="2400" b="0" strike="noStrike" spc="-1" dirty="0">
-                <a:solidFill>
-                  <a:srgbClr val="000000"/>
-                </a:solidFill>
-                <a:latin typeface="Arial"/>
-                <a:ea typeface="微軟正黑體"/>
-              </a:rPr>
-              <a:t>代碼。</a:t>
+              <a:t>的代碼。</a:t>
             </a:r>
             <a:endParaRPr lang="en-GB" sz="2400" b="0" strike="noStrike" spc="-1" dirty="0">
               <a:solidFill>
@@ -24298,7 +23762,7 @@
               </a:tabLst>
             </a:pPr>
             <a:r>
-              <a:rPr lang="en-GB" sz="4200" b="0" strike="noStrike" spc="-1">
+              <a:rPr lang="en-GB" sz="4200" b="0" strike="noStrike" spc="-1" dirty="0">
                 <a:solidFill>
                   <a:srgbClr val="000000"/>
                 </a:solidFill>
@@ -24308,7 +23772,7 @@
               <a:t>git</a:t>
             </a:r>
             <a:r>
-              <a:rPr lang="zh-TW" sz="4200" b="0" strike="noStrike" spc="-1">
+              <a:rPr lang="zh-TW" sz="4200" b="0" strike="noStrike" spc="-1" dirty="0">
                 <a:solidFill>
                   <a:srgbClr val="000000"/>
                 </a:solidFill>
@@ -24317,7 +23781,7 @@
               </a:rPr>
               <a:t>分支介紹</a:t>
             </a:r>
-            <a:endParaRPr lang="en-GB" sz="4200" b="0" strike="noStrike" spc="-1">
+            <a:endParaRPr lang="en-GB" sz="4200" b="0" strike="noStrike" spc="-1" dirty="0">
               <a:solidFill>
                 <a:srgbClr val="000000"/>
               </a:solidFill>
@@ -24372,7 +23836,7 @@
               </a:spcBef>
             </a:pPr>
             <a:r>
-              <a:rPr lang="en-GB" sz="2400" b="0" strike="noStrike" spc="-1">
+              <a:rPr lang="en-GB" sz="2400" b="0" strike="noStrike" spc="-1" dirty="0">
                 <a:solidFill>
                   <a:srgbClr val="000000"/>
                 </a:solidFill>
@@ -24382,7 +23846,7 @@
               <a:t>1.</a:t>
             </a:r>
             <a:r>
-              <a:rPr lang="zh-TW" sz="2400" b="0" strike="noStrike" spc="-1">
+              <a:rPr lang="zh-TW" sz="2400" b="0" strike="noStrike" spc="-1" dirty="0">
                 <a:solidFill>
                   <a:srgbClr val="000000"/>
                 </a:solidFill>
@@ -24391,7 +23855,7 @@
               </a:rPr>
               <a:t>主分支 </a:t>
             </a:r>
-            <a:endParaRPr lang="en-GB" sz="2400" b="0" strike="noStrike" spc="-1">
+            <a:endParaRPr lang="en-GB" sz="2400" b="0" strike="noStrike" spc="-1" dirty="0">
               <a:solidFill>
                 <a:srgbClr val="000000"/>
               </a:solidFill>
@@ -24408,7 +23872,7 @@
               </a:spcBef>
             </a:pPr>
             <a:r>
-              <a:rPr lang="zh-TW" sz="2400" b="0" strike="noStrike" spc="-1">
+              <a:rPr lang="zh-TW" sz="2400" b="0" strike="noStrike" spc="-1" dirty="0">
                 <a:solidFill>
                   <a:srgbClr val="000000"/>
                 </a:solidFill>
@@ -24418,7 +23882,7 @@
               <a:t>為最後</a:t>
             </a:r>
             <a:r>
-              <a:rPr lang="en-GB" sz="2400" b="0" strike="noStrike" spc="-1">
+              <a:rPr lang="en-GB" sz="2400" b="0" strike="noStrike" spc="-1" dirty="0">
                 <a:solidFill>
                   <a:srgbClr val="000000"/>
                 </a:solidFill>
@@ -24428,7 +23892,7 @@
               <a:t>merge</a:t>
             </a:r>
             <a:r>
-              <a:rPr lang="zh-TW" sz="2400" b="0" strike="noStrike" spc="-1">
+              <a:rPr lang="zh-TW" sz="2400" b="0" strike="noStrike" spc="-1" dirty="0">
                 <a:solidFill>
                   <a:srgbClr val="000000"/>
                 </a:solidFill>
@@ -24437,7 +23901,7 @@
               </a:rPr>
               <a:t>時候的分支。生產模式下的分支</a:t>
             </a:r>
-            <a:endParaRPr lang="en-GB" sz="2400" b="0" strike="noStrike" spc="-1">
+            <a:endParaRPr lang="en-GB" sz="2400" b="0" strike="noStrike" spc="-1" dirty="0">
               <a:solidFill>
                 <a:srgbClr val="000000"/>
               </a:solidFill>
@@ -24454,7 +23918,7 @@
               </a:spcBef>
             </a:pPr>
             <a:r>
-              <a:rPr lang="en-GB" sz="2400" b="0" strike="noStrike" spc="-1">
+              <a:rPr lang="en-GB" sz="2400" b="0" strike="noStrike" spc="-1" dirty="0">
                 <a:solidFill>
                   <a:srgbClr val="000000"/>
                 </a:solidFill>
@@ -24464,7 +23928,7 @@
               <a:t>2. </a:t>
             </a:r>
             <a:r>
-              <a:rPr lang="zh-TW" sz="2400" b="0" strike="noStrike" spc="-1">
+              <a:rPr lang="zh-TW" sz="2400" b="0" strike="noStrike" spc="-1" dirty="0">
                 <a:solidFill>
                   <a:srgbClr val="000000"/>
                 </a:solidFill>
@@ -24473,7 +23937,7 @@
               </a:rPr>
               <a:t>特性分支 </a:t>
             </a:r>
-            <a:endParaRPr lang="en-GB" sz="2400" b="0" strike="noStrike" spc="-1">
+            <a:endParaRPr lang="en-GB" sz="2400" b="0" strike="noStrike" spc="-1" dirty="0">
               <a:solidFill>
                 <a:srgbClr val="000000"/>
               </a:solidFill>
@@ -24490,7 +23954,7 @@
               </a:spcBef>
             </a:pPr>
             <a:r>
-              <a:rPr lang="zh-TW" sz="2400" b="0" strike="noStrike" spc="-1">
+              <a:rPr lang="zh-TW" sz="2400" b="0" strike="noStrike" spc="-1" dirty="0">
                 <a:solidFill>
                   <a:srgbClr val="000000"/>
                 </a:solidFill>
@@ -24499,7 +23963,7 @@
               </a:rPr>
               <a:t>為增加新功能時創立的分支。為了不影響之前的程式。</a:t>
             </a:r>
-            <a:endParaRPr lang="en-GB" sz="2400" b="0" strike="noStrike" spc="-1">
+            <a:endParaRPr lang="en-GB" sz="2400" b="0" strike="noStrike" spc="-1" dirty="0">
               <a:solidFill>
                 <a:srgbClr val="000000"/>
               </a:solidFill>
@@ -24516,7 +23980,7 @@
               </a:spcBef>
             </a:pPr>
             <a:r>
-              <a:rPr lang="en-GB" sz="2400" b="0" strike="noStrike" spc="-1">
+              <a:rPr lang="en-GB" sz="2400" b="0" strike="noStrike" spc="-1" dirty="0">
                 <a:solidFill>
                   <a:srgbClr val="000000"/>
                 </a:solidFill>
@@ -24526,7 +23990,7 @@
               <a:t>3. </a:t>
             </a:r>
             <a:r>
-              <a:rPr lang="zh-TW" sz="2400" b="0" strike="noStrike" spc="-1">
+              <a:rPr lang="zh-TW" sz="2400" b="0" strike="noStrike" spc="-1" dirty="0">
                 <a:solidFill>
                   <a:srgbClr val="000000"/>
                 </a:solidFill>
@@ -24535,7 +23999,7 @@
               </a:rPr>
               <a:t>熱修分支 </a:t>
             </a:r>
-            <a:endParaRPr lang="en-GB" sz="2400" b="0" strike="noStrike" spc="-1">
+            <a:endParaRPr lang="en-GB" sz="2400" b="0" strike="noStrike" spc="-1" dirty="0">
               <a:solidFill>
                 <a:srgbClr val="000000"/>
               </a:solidFill>
@@ -24552,7 +24016,7 @@
               </a:spcBef>
             </a:pPr>
             <a:r>
-              <a:rPr lang="zh-TW" sz="2400" b="0" strike="noStrike" spc="-1">
+              <a:rPr lang="zh-TW" sz="2400" b="0" strike="noStrike" spc="-1" dirty="0">
                 <a:solidFill>
                   <a:srgbClr val="000000"/>
                 </a:solidFill>
@@ -24562,7 +24026,7 @@
               <a:t>特色為直接從</a:t>
             </a:r>
             <a:r>
-              <a:rPr lang="en-GB" sz="2400" b="0" strike="noStrike" spc="-1">
+              <a:rPr lang="en-GB" sz="2400" b="0" strike="noStrike" spc="-1" dirty="0">
                 <a:solidFill>
                   <a:srgbClr val="000000"/>
                 </a:solidFill>
@@ -24572,7 +24036,7 @@
               <a:t>main</a:t>
             </a:r>
             <a:r>
-              <a:rPr lang="zh-TW" sz="2400" b="0" strike="noStrike" spc="-1">
+              <a:rPr lang="zh-TW" sz="2400" b="0" strike="noStrike" spc="-1" dirty="0">
                 <a:solidFill>
                   <a:srgbClr val="000000"/>
                 </a:solidFill>
@@ -24582,7 +24046,7 @@
               <a:t>分支出來的分支。並且是為了快速完成主分支的</a:t>
             </a:r>
             <a:r>
-              <a:rPr lang="en-GB" sz="2400" b="0" strike="noStrike" spc="-1">
+              <a:rPr lang="en-GB" sz="2400" b="0" strike="noStrike" spc="-1" dirty="0">
                 <a:solidFill>
                   <a:srgbClr val="000000"/>
                 </a:solidFill>
@@ -24592,7 +24056,7 @@
               <a:t>bug</a:t>
             </a:r>
             <a:r>
-              <a:rPr lang="zh-TW" sz="2400" b="0" strike="noStrike" spc="-1">
+              <a:rPr lang="zh-TW" sz="2400" b="0" strike="noStrike" spc="-1" dirty="0">
                 <a:solidFill>
                   <a:srgbClr val="000000"/>
                 </a:solidFill>
@@ -24601,7 +24065,7 @@
               </a:rPr>
               <a:t>。</a:t>
             </a:r>
-            <a:endParaRPr lang="en-GB" sz="2400" b="0" strike="noStrike" spc="-1">
+            <a:endParaRPr lang="en-GB" sz="2400" b="0" strike="noStrike" spc="-1" dirty="0">
               <a:solidFill>
                 <a:srgbClr val="000000"/>
               </a:solidFill>
@@ -24617,7 +24081,7 @@
                 <a:spcPts val="1134"/>
               </a:spcBef>
             </a:pPr>
-            <a:endParaRPr lang="en-GB" sz="2400" b="0" strike="noStrike" spc="-1">
+            <a:endParaRPr lang="en-GB" sz="2400" b="0" strike="noStrike" spc="-1" dirty="0">
               <a:solidFill>
                 <a:srgbClr val="000000"/>
               </a:solidFill>
@@ -24633,7 +24097,7 @@
                 <a:spcPts val="1134"/>
               </a:spcBef>
             </a:pPr>
-            <a:endParaRPr lang="en-GB" sz="2400" b="0" strike="noStrike" spc="-1">
+            <a:endParaRPr lang="en-GB" sz="2400" b="0" strike="noStrike" spc="-1" dirty="0">
               <a:solidFill>
                 <a:srgbClr val="000000"/>
               </a:solidFill>
@@ -24650,7 +24114,7 @@
               </a:spcBef>
             </a:pPr>
             <a:r>
-              <a:rPr lang="en-GB" sz="2400" b="0" strike="noStrike" spc="-1">
+              <a:rPr lang="en-GB" sz="2400" b="0" strike="noStrike" spc="-1" dirty="0">
                 <a:solidFill>
                   <a:srgbClr val="000000"/>
                 </a:solidFill>
@@ -24659,7 +24123,7 @@
               </a:rPr>
               <a:t> 	</a:t>
             </a:r>
-            <a:endParaRPr lang="en-GB" sz="2400" b="0" strike="noStrike" spc="-1">
+            <a:endParaRPr lang="en-GB" sz="2400" b="0" strike="noStrike" spc="-1" dirty="0">
               <a:solidFill>
                 <a:srgbClr val="000000"/>
               </a:solidFill>
@@ -24672,7 +24136,7 @@
                 <a:spcPct val="100000"/>
               </a:lnSpc>
             </a:pPr>
-            <a:endParaRPr lang="en-GB" sz="2000" b="0" strike="noStrike" spc="-1">
+            <a:endParaRPr lang="en-GB" sz="2000" b="0" strike="noStrike" spc="-1" dirty="0">
               <a:solidFill>
                 <a:srgbClr val="000000"/>
               </a:solidFill>
@@ -24685,7 +24149,7 @@
                 <a:spcPct val="100000"/>
               </a:lnSpc>
             </a:pPr>
-            <a:endParaRPr lang="en-GB" sz="2000" b="0" strike="noStrike" spc="-1">
+            <a:endParaRPr lang="en-GB" sz="2000" b="0" strike="noStrike" spc="-1" dirty="0">
               <a:solidFill>
                 <a:srgbClr val="000000"/>
               </a:solidFill>
@@ -24698,7 +24162,7 @@
                 <a:spcPct val="100000"/>
               </a:lnSpc>
             </a:pPr>
-            <a:endParaRPr lang="en-GB" sz="2000" b="0" strike="noStrike" spc="-1">
+            <a:endParaRPr lang="en-GB" sz="2000" b="0" strike="noStrike" spc="-1" dirty="0">
               <a:solidFill>
                 <a:srgbClr val="000000"/>
               </a:solidFill>
@@ -24711,7 +24175,7 @@
                 <a:spcPct val="100000"/>
               </a:lnSpc>
             </a:pPr>
-            <a:endParaRPr lang="en-GB" sz="2000" b="0" strike="noStrike" spc="-1">
+            <a:endParaRPr lang="en-GB" sz="2000" b="0" strike="noStrike" spc="-1" dirty="0">
               <a:solidFill>
                 <a:srgbClr val="000000"/>
               </a:solidFill>
@@ -24724,7 +24188,7 @@
                 <a:spcPct val="100000"/>
               </a:lnSpc>
             </a:pPr>
-            <a:endParaRPr lang="en-GB" sz="1800" b="0" strike="noStrike" spc="-1">
+            <a:endParaRPr lang="en-GB" sz="1800" b="0" strike="noStrike" spc="-1" dirty="0">
               <a:solidFill>
                 <a:srgbClr val="000000"/>
               </a:solidFill>
@@ -24737,7 +24201,7 @@
                 <a:spcPct val="100000"/>
               </a:lnSpc>
             </a:pPr>
-            <a:endParaRPr lang="en-GB" sz="1000" b="0" strike="noStrike" spc="-1">
+            <a:endParaRPr lang="en-GB" sz="1000" b="0" strike="noStrike" spc="-1" dirty="0">
               <a:solidFill>
                 <a:srgbClr val="000000"/>
               </a:solidFill>
@@ -24762,6 +24226,7 @@
           <a:lstStyle/>
           <a:p>
             <a:fld id="{0775E536-B431-40CF-A422-4F998800221C}" type="slidenum">
+              <a:rPr/>
               <a:t>18</a:t>
             </a:fld>
             <a:endParaRPr/>
@@ -24907,7 +24372,7 @@
               </a:lnSpc>
             </a:pPr>
             <a:r>
-              <a:rPr lang="zh-TW" sz="1800" b="0" strike="noStrike" spc="-1">
+              <a:rPr lang="zh-TW" sz="1800" b="0" strike="noStrike" spc="-1" dirty="0">
                 <a:solidFill>
                   <a:srgbClr val="000000"/>
                 </a:solidFill>
@@ -24917,7 +24382,7 @@
               <a:t>特色</a:t>
             </a:r>
             <a:r>
-              <a:rPr lang="en-GB" sz="1800" b="0" strike="noStrike" spc="-1">
+              <a:rPr lang="en-GB" sz="1800" b="0" strike="noStrike" spc="-1" dirty="0">
                 <a:solidFill>
                   <a:srgbClr val="000000"/>
                 </a:solidFill>
@@ -24927,7 +24392,7 @@
               <a:t>:</a:t>
             </a:r>
             <a:r>
-              <a:rPr lang="zh-TW" sz="1800" b="0" strike="noStrike" spc="-1">
+              <a:rPr lang="zh-TW" sz="1800" b="0" strike="noStrike" spc="-1" dirty="0">
                 <a:solidFill>
                   <a:srgbClr val="000000"/>
                 </a:solidFill>
@@ -24936,7 +24401,7 @@
               </a:rPr>
               <a:t>避免外部狀態相依和改變、並且透過建立函數，達到代碼可讀性高的特色</a:t>
             </a:r>
-            <a:endParaRPr lang="en-GB" sz="1800" b="0" strike="noStrike" spc="-1">
+            <a:endParaRPr lang="en-GB" sz="1800" b="0" strike="noStrike" spc="-1" dirty="0">
               <a:solidFill>
                 <a:srgbClr val="000000"/>
               </a:solidFill>
@@ -24949,7 +24414,7 @@
                 <a:spcPct val="100000"/>
               </a:lnSpc>
             </a:pPr>
-            <a:endParaRPr lang="en-GB" sz="1800" b="0" strike="noStrike" spc="-1">
+            <a:endParaRPr lang="en-GB" sz="1800" b="0" strike="noStrike" spc="-1" dirty="0">
               <a:solidFill>
                 <a:srgbClr val="000000"/>
               </a:solidFill>
@@ -24963,7 +24428,7 @@
               </a:lnSpc>
             </a:pPr>
             <a:r>
-              <a:rPr lang="en-GB" sz="1800" b="0" strike="noStrike" spc="-1">
+              <a:rPr lang="en-GB" sz="1800" b="0" strike="noStrike" spc="-1" dirty="0" err="1">
                 <a:solidFill>
                   <a:srgbClr val="000000"/>
                 </a:solidFill>
@@ -24973,7 +24438,7 @@
               <a:t>Link:</a:t>
             </a:r>
             <a:r>
-              <a:rPr lang="en-GB" sz="1800" b="0" u="sng" strike="noStrike" spc="-1">
+              <a:rPr lang="en-GB" sz="1800" b="0" u="sng" strike="noStrike" spc="-1" dirty="0" err="1">
                 <a:solidFill>
                   <a:srgbClr val="262626"/>
                 </a:solidFill>
@@ -24982,9 +24447,21 @@
                 <a:ea typeface="微軟正黑體"/>
                 <a:hlinkClick r:id="rId2"/>
               </a:rPr>
-              <a:t>https://github.com/whatevercalled/yunsin_0215_powerpoint_angular#functionalprogram</a:t>
-            </a:r>
-            <a:endParaRPr lang="en-GB" sz="1800" b="0" strike="noStrike" spc="-1">
+              <a:t>https</a:t>
+            </a:r>
+            <a:r>
+              <a:rPr lang="en-GB" sz="1800" b="0" u="sng" strike="noStrike" spc="-1" dirty="0">
+                <a:solidFill>
+                  <a:srgbClr val="262626"/>
+                </a:solidFill>
+                <a:uFillTx/>
+                <a:latin typeface="Arial"/>
+                <a:ea typeface="微軟正黑體"/>
+                <a:hlinkClick r:id="rId2"/>
+              </a:rPr>
+              <a:t>://github.com/whatevercalled/yunsin_0215_powerpoint_angular#functionalprogram</a:t>
+            </a:r>
+            <a:endParaRPr lang="en-GB" sz="1800" b="0" strike="noStrike" spc="-1" dirty="0">
               <a:solidFill>
                 <a:srgbClr val="000000"/>
               </a:solidFill>
@@ -24997,7 +24474,7 @@
                 <a:spcPct val="100000"/>
               </a:lnSpc>
             </a:pPr>
-            <a:endParaRPr lang="en-GB" sz="1800" b="0" strike="noStrike" spc="-1">
+            <a:endParaRPr lang="en-GB" sz="1800" b="0" strike="noStrike" spc="-1" dirty="0">
               <a:solidFill>
                 <a:srgbClr val="000000"/>
               </a:solidFill>
@@ -25011,7 +24488,7 @@
               </a:lnSpc>
             </a:pPr>
             <a:r>
-              <a:rPr lang="zh-TW" sz="1800" b="0" strike="noStrike" spc="-1">
+              <a:rPr lang="zh-TW" sz="1800" b="0" strike="noStrike" spc="-1" dirty="0">
                 <a:solidFill>
                   <a:srgbClr val="000000"/>
                 </a:solidFill>
@@ -25021,7 +24498,7 @@
               <a:t>舉例</a:t>
             </a:r>
             <a:r>
-              <a:rPr lang="en-GB" sz="1800" b="0" strike="noStrike" spc="-1">
+              <a:rPr lang="en-GB" sz="1800" b="0" strike="noStrike" spc="-1" dirty="0">
                 <a:solidFill>
                   <a:srgbClr val="000000"/>
                 </a:solidFill>
@@ -25030,7 +24507,7 @@
               </a:rPr>
               <a:t>:</a:t>
             </a:r>
-            <a:endParaRPr lang="en-GB" sz="1800" b="0" strike="noStrike" spc="-1">
+            <a:endParaRPr lang="en-GB" sz="1800" b="0" strike="noStrike" spc="-1" dirty="0">
               <a:solidFill>
                 <a:srgbClr val="000000"/>
               </a:solidFill>
@@ -25044,16 +24521,26 @@
               </a:lnSpc>
             </a:pPr>
             <a:r>
-              <a:rPr lang="en-GB" sz="1800" b="0" strike="noStrike" spc="-1">
+              <a:rPr lang="en-GB" sz="1800" b="0" strike="noStrike" spc="-1" dirty="0" err="1">
                 <a:solidFill>
                   <a:srgbClr val="000000"/>
                 </a:solidFill>
                 <a:latin typeface="Arial"/>
                 <a:ea typeface="微軟正黑體"/>
               </a:rPr>
-              <a:t>Const data=[1,2,3,4]</a:t>
-            </a:r>
-            <a:endParaRPr lang="en-GB" sz="1800" b="0" strike="noStrike" spc="-1">
+              <a:t>Const</a:t>
+            </a:r>
+            <a:r>
+              <a:rPr lang="en-GB" sz="1800" b="0" strike="noStrike" spc="-1" dirty="0">
+                <a:solidFill>
+                  <a:srgbClr val="000000"/>
+                </a:solidFill>
+                <a:latin typeface="Arial"/>
+                <a:ea typeface="微軟正黑體"/>
+              </a:rPr>
+              <a:t> data=[1,2,3,4]</a:t>
+            </a:r>
+            <a:endParaRPr lang="en-GB" sz="1800" b="0" strike="noStrike" spc="-1" dirty="0">
               <a:solidFill>
                 <a:srgbClr val="000000"/>
               </a:solidFill>
@@ -25067,16 +24554,26 @@
               </a:lnSpc>
             </a:pPr>
             <a:r>
-              <a:rPr lang="en-GB" sz="1800" b="0" strike="noStrike" spc="-1">
+              <a:rPr lang="en-GB" sz="1800" b="0" strike="noStrike" spc="-1" dirty="0" err="1">
                 <a:solidFill>
                   <a:srgbClr val="000000"/>
                 </a:solidFill>
                 <a:latin typeface="Arial"/>
                 <a:ea typeface="微軟正黑體"/>
               </a:rPr>
-              <a:t>data.push(100)</a:t>
-            </a:r>
-            <a:endParaRPr lang="en-GB" sz="1800" b="0" strike="noStrike" spc="-1">
+              <a:t>data.push</a:t>
+            </a:r>
+            <a:r>
+              <a:rPr lang="en-GB" sz="1800" b="0" strike="noStrike" spc="-1" dirty="0">
+                <a:solidFill>
+                  <a:srgbClr val="000000"/>
+                </a:solidFill>
+                <a:latin typeface="Arial"/>
+                <a:ea typeface="微軟正黑體"/>
+              </a:rPr>
+              <a:t>(100)</a:t>
+            </a:r>
+            <a:endParaRPr lang="en-GB" sz="1800" b="0" strike="noStrike" spc="-1" dirty="0">
               <a:solidFill>
                 <a:srgbClr val="000000"/>
               </a:solidFill>
@@ -25090,7 +24587,7 @@
               </a:lnSpc>
             </a:pPr>
             <a:r>
-              <a:rPr lang="zh-TW" sz="1800" b="0" strike="noStrike" spc="-1">
+              <a:rPr lang="zh-TW" sz="1800" b="0" strike="noStrike" spc="-1" dirty="0">
                 <a:solidFill>
                   <a:srgbClr val="000000"/>
                 </a:solidFill>
@@ -25100,7 +24597,7 @@
               <a:t>就會修改到</a:t>
             </a:r>
             <a:r>
-              <a:rPr lang="en-GB" sz="1800" b="0" strike="noStrike" spc="-1">
+              <a:rPr lang="en-GB" sz="1800" b="0" strike="noStrike" spc="-1" dirty="0">
                 <a:solidFill>
                   <a:srgbClr val="000000"/>
                 </a:solidFill>
@@ -25109,7 +24606,7 @@
               </a:rPr>
               <a:t>Data</a:t>
             </a:r>
-            <a:endParaRPr lang="en-GB" sz="1800" b="0" strike="noStrike" spc="-1">
+            <a:endParaRPr lang="en-GB" sz="1800" b="0" strike="noStrike" spc="-1" dirty="0">
               <a:solidFill>
                 <a:srgbClr val="000000"/>
               </a:solidFill>
@@ -25123,7 +24620,7 @@
               </a:lnSpc>
             </a:pPr>
             <a:r>
-              <a:rPr lang="zh-TW" sz="1800" b="0" strike="noStrike" spc="-1">
+              <a:rPr lang="zh-TW" sz="1800" b="0" strike="noStrike" spc="-1" dirty="0">
                 <a:solidFill>
                   <a:srgbClr val="000000"/>
                 </a:solidFill>
@@ -25132,7 +24629,7 @@
               </a:rPr>
               <a:t>但如果另外創造一個變量</a:t>
             </a:r>
-            <a:endParaRPr lang="en-GB" sz="1800" b="0" strike="noStrike" spc="-1">
+            <a:endParaRPr lang="en-GB" sz="1800" b="0" strike="noStrike" spc="-1" dirty="0">
               <a:solidFill>
                 <a:srgbClr val="000000"/>
               </a:solidFill>
@@ -25146,16 +24643,26 @@
               </a:lnSpc>
             </a:pPr>
             <a:r>
-              <a:rPr lang="en-GB" sz="1800" b="0" strike="noStrike" spc="-1">
+              <a:rPr lang="en-GB" sz="1800" b="0" strike="noStrike" spc="-1" dirty="0" err="1">
                 <a:solidFill>
                   <a:srgbClr val="000000"/>
                 </a:solidFill>
                 <a:latin typeface="Arial"/>
                 <a:ea typeface="微軟正黑體"/>
               </a:rPr>
-              <a:t>Const data2=[...data,100]</a:t>
-            </a:r>
-            <a:endParaRPr lang="en-GB" sz="1800" b="0" strike="noStrike" spc="-1">
+              <a:t>Const</a:t>
+            </a:r>
+            <a:r>
+              <a:rPr lang="en-GB" sz="1800" b="0" strike="noStrike" spc="-1" dirty="0">
+                <a:solidFill>
+                  <a:srgbClr val="000000"/>
+                </a:solidFill>
+                <a:latin typeface="Arial"/>
+                <a:ea typeface="微軟正黑體"/>
+              </a:rPr>
+              <a:t> data2=[...data,100]</a:t>
+            </a:r>
+            <a:endParaRPr lang="en-GB" sz="1800" b="0" strike="noStrike" spc="-1" dirty="0">
               <a:solidFill>
                 <a:srgbClr val="000000"/>
               </a:solidFill>
@@ -25169,7 +24676,7 @@
               </a:lnSpc>
             </a:pPr>
             <a:r>
-              <a:rPr lang="zh-TW" sz="1800" b="0" strike="noStrike" spc="-1">
+              <a:rPr lang="zh-TW" sz="1800" b="0" strike="noStrike" spc="-1" dirty="0">
                 <a:solidFill>
                   <a:srgbClr val="000000"/>
                 </a:solidFill>
@@ -25179,7 +24686,7 @@
               <a:t>此種辦法就可以達到不可變</a:t>
             </a:r>
             <a:r>
-              <a:rPr lang="en-GB" sz="1800" b="0" strike="noStrike" spc="-1">
+              <a:rPr lang="en-GB" sz="1800" b="0" strike="noStrike" spc="-1" dirty="0">
                 <a:solidFill>
                   <a:srgbClr val="000000"/>
                 </a:solidFill>
@@ -25188,7 +24695,7 @@
               </a:rPr>
               <a:t>(immutable)</a:t>
             </a:r>
-            <a:endParaRPr lang="en-GB" sz="1800" b="0" strike="noStrike" spc="-1">
+            <a:endParaRPr lang="en-GB" sz="1800" b="0" strike="noStrike" spc="-1" dirty="0">
               <a:solidFill>
                 <a:srgbClr val="000000"/>
               </a:solidFill>
@@ -25202,7 +24709,7 @@
               </a:lnSpc>
             </a:pPr>
             <a:r>
-              <a:rPr lang="zh-TW" sz="1800" b="0" strike="noStrike" spc="-1">
+              <a:rPr lang="zh-TW" sz="1800" b="0" strike="noStrike" spc="-1" dirty="0">
                 <a:solidFill>
                   <a:srgbClr val="000000"/>
                 </a:solidFill>
@@ -25212,7 +24719,7 @@
               <a:t>也就是盡量不操作到原數據。並且盡量使用</a:t>
             </a:r>
             <a:r>
-              <a:rPr lang="en-GB" sz="1800" b="0" strike="noStrike" spc="-1">
+              <a:rPr lang="en-GB" sz="1800" b="0" strike="noStrike" spc="-1" dirty="0">
                 <a:solidFill>
                   <a:srgbClr val="000000"/>
                 </a:solidFill>
@@ -25222,7 +24729,7 @@
               <a:t>let </a:t>
             </a:r>
             <a:r>
-              <a:rPr lang="zh-TW" sz="1800" b="0" strike="noStrike" spc="-1">
+              <a:rPr lang="zh-TW" sz="1800" b="0" strike="noStrike" spc="-1" dirty="0">
                 <a:solidFill>
                   <a:srgbClr val="000000"/>
                 </a:solidFill>
@@ -25231,7 +24738,7 @@
               </a:rPr>
               <a:t>將作用域限制在該函數中。</a:t>
             </a:r>
-            <a:endParaRPr lang="en-GB" sz="1800" b="0" strike="noStrike" spc="-1">
+            <a:endParaRPr lang="en-GB" sz="1800" b="0" strike="noStrike" spc="-1" dirty="0">
               <a:solidFill>
                 <a:srgbClr val="000000"/>
               </a:solidFill>
@@ -25244,7 +24751,7 @@
                 <a:spcPct val="100000"/>
               </a:lnSpc>
             </a:pPr>
-            <a:endParaRPr lang="en-GB" sz="1000" b="0" strike="noStrike" spc="-1">
+            <a:endParaRPr lang="en-GB" sz="1000" b="0" strike="noStrike" spc="-1" dirty="0">
               <a:solidFill>
                 <a:srgbClr val="000000"/>
               </a:solidFill>
@@ -25257,7 +24764,7 @@
                 <a:spcPct val="100000"/>
               </a:lnSpc>
             </a:pPr>
-            <a:endParaRPr lang="en-GB" sz="1000" b="0" strike="noStrike" spc="-1">
+            <a:endParaRPr lang="en-GB" sz="1000" b="0" strike="noStrike" spc="-1" dirty="0">
               <a:solidFill>
                 <a:srgbClr val="000000"/>
               </a:solidFill>
@@ -25282,6 +24789,7 @@
           <a:lstStyle/>
           <a:p>
             <a:fld id="{8FD73987-4B30-4F2D-A288-CB4331AE117D}" type="slidenum">
+              <a:rPr/>
               <a:t>19</a:t>
             </a:fld>
             <a:endParaRPr/>
@@ -26714,6 +26222,7 @@
           <a:lstStyle/>
           <a:p>
             <a:fld id="{82DDD2A1-3BE9-4C85-867C-6CFE6B68624D}" type="slidenum">
+              <a:rPr/>
               <a:t>20</a:t>
             </a:fld>
             <a:endParaRPr/>
@@ -26966,6 +26475,7 @@
           <a:lstStyle/>
           <a:p>
             <a:fld id="{8E1E69A4-76AC-42AE-A999-48598319F208}" type="slidenum">
+              <a:rPr/>
               <a:t>21</a:t>
             </a:fld>
             <a:endParaRPr/>
@@ -27291,6 +26801,7 @@
           <a:lstStyle/>
           <a:p>
             <a:fld id="{EA9C4303-E82E-44FA-9B12-E65CE3A6D41A}" type="slidenum">
+              <a:rPr/>
               <a:t>22</a:t>
             </a:fld>
             <a:endParaRPr/>
@@ -27405,7 +26916,7 @@
         </p:blipFill>
         <p:spPr>
           <a:xfrm>
-            <a:off x="6737400" y="1242360"/>
+            <a:off x="5912280" y="1440"/>
             <a:ext cx="5501520" cy="6856560"/>
           </a:xfrm>
           <a:prstGeom prst="rect">
@@ -27459,7 +26970,7 @@
               </a:lnSpc>
             </a:pPr>
             <a:r>
-              <a:rPr lang="zh-TW" sz="1800" b="0" strike="noStrike" spc="-1">
+              <a:rPr lang="zh-TW" sz="1800" b="0" strike="noStrike" spc="-1" dirty="0">
                 <a:solidFill>
                   <a:srgbClr val="000000"/>
                 </a:solidFill>
@@ -27469,7 +26980,7 @@
               <a:t>除了回傳值，也可以直接</a:t>
             </a:r>
             <a:r>
-              <a:rPr lang="en-GB" sz="1800" b="0" strike="noStrike" spc="-1">
+              <a:rPr lang="en-GB" sz="1800" b="0" strike="noStrike" spc="-1" dirty="0">
                 <a:solidFill>
                   <a:srgbClr val="000000"/>
                 </a:solidFill>
@@ -27479,7 +26990,7 @@
               <a:t>throw exception</a:t>
             </a:r>
             <a:r>
-              <a:rPr lang="zh-TW" sz="1800" b="0" strike="noStrike" spc="-1">
+              <a:rPr lang="zh-TW" sz="1800" b="0" strike="noStrike" spc="-1" dirty="0">
                 <a:solidFill>
                   <a:srgbClr val="000000"/>
                 </a:solidFill>
@@ -27488,7 +26999,7 @@
               </a:rPr>
               <a:t>。</a:t>
             </a:r>
-            <a:endParaRPr lang="en-GB" sz="1800" b="0" strike="noStrike" spc="-1">
+            <a:endParaRPr lang="en-GB" sz="1800" b="0" strike="noStrike" spc="-1" dirty="0">
               <a:solidFill>
                 <a:srgbClr val="000000"/>
               </a:solidFill>
@@ -27502,7 +27013,7 @@
               </a:lnSpc>
             </a:pPr>
             <a:r>
-              <a:rPr lang="zh-TW" sz="1800" b="0" strike="noStrike" spc="-1">
+              <a:rPr lang="zh-TW" sz="1800" b="0" strike="noStrike" spc="-1" dirty="0">
                 <a:solidFill>
                   <a:srgbClr val="000000"/>
                 </a:solidFill>
@@ -27512,7 +27023,7 @@
               <a:t>可以使用</a:t>
             </a:r>
             <a:r>
-              <a:rPr lang="en-GB" sz="1800" b="0" strike="noStrike" spc="-1">
+              <a:rPr lang="en-GB" sz="1800" b="0" strike="noStrike" spc="-1" dirty="0" err="1">
                 <a:solidFill>
                   <a:srgbClr val="000000"/>
                 </a:solidFill>
@@ -27522,7 +27033,7 @@
               <a:t>retrywhen</a:t>
             </a:r>
             <a:r>
-              <a:rPr lang="zh-TW" sz="1800" b="0" strike="noStrike" spc="-1">
+              <a:rPr lang="zh-TW" sz="1800" b="0" strike="noStrike" spc="-1" dirty="0">
                 <a:solidFill>
                   <a:srgbClr val="000000"/>
                 </a:solidFill>
@@ -27531,7 +27042,7 @@
               </a:rPr>
               <a:t>的方法，進行重複。</a:t>
             </a:r>
-            <a:endParaRPr lang="en-GB" sz="1800" b="0" strike="noStrike" spc="-1">
+            <a:endParaRPr lang="en-GB" sz="1800" b="0" strike="noStrike" spc="-1" dirty="0">
               <a:solidFill>
                 <a:srgbClr val="000000"/>
               </a:solidFill>
@@ -27545,7 +27056,7 @@
               </a:lnSpc>
             </a:pPr>
             <a:r>
-              <a:rPr lang="zh-TW" sz="1800" b="0" strike="noStrike" spc="-1">
+              <a:rPr lang="zh-TW" sz="1800" b="0" strike="noStrike" spc="-1" dirty="0">
                 <a:solidFill>
                   <a:srgbClr val="000000"/>
                 </a:solidFill>
@@ -27555,7 +27066,7 @@
               <a:t>與</a:t>
             </a:r>
             <a:r>
-              <a:rPr lang="en-GB" sz="1800" b="0" strike="noStrike" spc="-1">
+              <a:rPr lang="en-GB" sz="1800" b="0" strike="noStrike" spc="-1" dirty="0">
                 <a:solidFill>
                   <a:srgbClr val="000000"/>
                 </a:solidFill>
@@ -27565,7 +27076,7 @@
               <a:t>promise</a:t>
             </a:r>
             <a:r>
-              <a:rPr lang="zh-TW" sz="1800" b="0" strike="noStrike" spc="-1">
+              <a:rPr lang="zh-TW" sz="1800" b="0" strike="noStrike" spc="-1" dirty="0">
                 <a:solidFill>
                   <a:srgbClr val="000000"/>
                 </a:solidFill>
@@ -27574,7 +27085,7 @@
               </a:rPr>
               <a:t>有些相像的地方。</a:t>
             </a:r>
-            <a:endParaRPr lang="en-GB" sz="1800" b="0" strike="noStrike" spc="-1">
+            <a:endParaRPr lang="en-GB" sz="1800" b="0" strike="noStrike" spc="-1" dirty="0">
               <a:solidFill>
                 <a:srgbClr val="000000"/>
               </a:solidFill>
@@ -27588,7 +27099,7 @@
               </a:lnSpc>
             </a:pPr>
             <a:r>
-              <a:rPr lang="en-GB" sz="1800" b="0" strike="noStrike" spc="-1">
+              <a:rPr lang="en-GB" sz="1800" b="0" strike="noStrike" spc="-1" dirty="0">
                 <a:solidFill>
                   <a:srgbClr val="000000"/>
                 </a:solidFill>
@@ -27598,7 +27109,7 @@
               <a:t>promise</a:t>
             </a:r>
             <a:r>
-              <a:rPr lang="zh-TW" sz="1800" b="0" strike="noStrike" spc="-1">
+              <a:rPr lang="zh-TW" sz="1800" b="0" strike="noStrike" spc="-1" dirty="0">
                 <a:solidFill>
                   <a:srgbClr val="000000"/>
                 </a:solidFill>
@@ -27608,7 +27119,7 @@
               <a:t>也可以</a:t>
             </a:r>
             <a:r>
-              <a:rPr lang="en-GB" sz="1800" b="0" strike="noStrike" spc="-1">
+              <a:rPr lang="en-GB" sz="1800" b="0" strike="noStrike" spc="-1" dirty="0">
                 <a:solidFill>
                   <a:srgbClr val="000000"/>
                 </a:solidFill>
@@ -27618,7 +27129,7 @@
               <a:t>catch</a:t>
             </a:r>
             <a:r>
-              <a:rPr lang="zh-TW" sz="1800" b="0" strike="noStrike" spc="-1">
+              <a:rPr lang="zh-TW" sz="1800" b="0" strike="noStrike" spc="-1" dirty="0">
                 <a:solidFill>
                   <a:srgbClr val="000000"/>
                 </a:solidFill>
@@ -27627,7 +27138,7 @@
               </a:rPr>
               <a:t>錯誤。並且執行例案處理</a:t>
             </a:r>
-            <a:endParaRPr lang="en-GB" sz="1800" b="0" strike="noStrike" spc="-1">
+            <a:endParaRPr lang="en-GB" sz="1800" b="0" strike="noStrike" spc="-1" dirty="0">
               <a:solidFill>
                 <a:srgbClr val="000000"/>
               </a:solidFill>
@@ -27640,7 +27151,7 @@
                 <a:spcPct val="100000"/>
               </a:lnSpc>
             </a:pPr>
-            <a:endParaRPr lang="en-GB" sz="1800" b="0" strike="noStrike" spc="-1">
+            <a:endParaRPr lang="en-GB" sz="1800" b="0" strike="noStrike" spc="-1" dirty="0">
               <a:solidFill>
                 <a:srgbClr val="000000"/>
               </a:solidFill>
@@ -27653,7 +27164,7 @@
                 <a:spcPct val="100000"/>
               </a:lnSpc>
             </a:pPr>
-            <a:endParaRPr lang="en-GB" sz="1800" b="0" strike="noStrike" spc="-1">
+            <a:endParaRPr lang="en-GB" sz="1800" b="0" strike="noStrike" spc="-1" dirty="0">
               <a:solidFill>
                 <a:srgbClr val="000000"/>
               </a:solidFill>
@@ -27666,7 +27177,7 @@
                 <a:spcPct val="100000"/>
               </a:lnSpc>
             </a:pPr>
-            <a:endParaRPr lang="en-GB" sz="1800" b="0" strike="noStrike" spc="-1">
+            <a:endParaRPr lang="en-GB" sz="1800" b="0" strike="noStrike" spc="-1" dirty="0">
               <a:solidFill>
                 <a:srgbClr val="000000"/>
               </a:solidFill>
@@ -27691,6 +27202,7 @@
           <a:lstStyle/>
           <a:p>
             <a:fld id="{EA590194-2580-4CCB-9782-BA81767E74C7}" type="slidenum">
+              <a:rPr/>
               <a:t>23</a:t>
             </a:fld>
             <a:endParaRPr/>
@@ -28275,6 +27787,7 @@
           <a:lstStyle/>
           <a:p>
             <a:fld id="{33DBC247-FCFE-4F46-B4BA-AE78C490D0DC}" type="slidenum">
+              <a:rPr/>
               <a:t>25</a:t>
             </a:fld>
             <a:endParaRPr/>
@@ -28690,6 +28203,7 @@
           <a:lstStyle/>
           <a:p>
             <a:fld id="{624E989F-3212-4E06-8C1C-DDA1E3B068F6}" type="slidenum">
+              <a:rPr/>
               <a:t>26</a:t>
             </a:fld>
             <a:endParaRPr/>
@@ -28838,7 +28352,7 @@
               </a:lnSpc>
             </a:pPr>
             <a:r>
-              <a:rPr lang="zh-TW" sz="1000" b="0" strike="noStrike" spc="-1">
+              <a:rPr lang="zh-TW" sz="1000" b="0" strike="noStrike" spc="-1" dirty="0">
                 <a:solidFill>
                   <a:srgbClr val="000000"/>
                 </a:solidFill>
@@ -28847,7 +28361,7 @@
               </a:rPr>
               <a:t>流程：</a:t>
             </a:r>
-            <a:endParaRPr lang="en-GB" sz="1000" b="0" strike="noStrike" spc="-1">
+            <a:endParaRPr lang="en-GB" sz="1000" b="0" strike="noStrike" spc="-1" dirty="0">
               <a:solidFill>
                 <a:srgbClr val="000000"/>
               </a:solidFill>
@@ -28872,7 +28386,7 @@
               <a:buAutoNum type="arabicPeriod"/>
             </a:pPr>
             <a:r>
-              <a:rPr lang="zh-TW" sz="2000" b="0" strike="noStrike" spc="-1">
+              <a:rPr lang="zh-TW" sz="2000" b="0" strike="noStrike" spc="-1" dirty="0">
                 <a:solidFill>
                   <a:srgbClr val="000000"/>
                 </a:solidFill>
@@ -28881,7 +28395,7 @@
               </a:rPr>
               <a:t>「程式建置」</a:t>
             </a:r>
-            <a:endParaRPr lang="en-GB" sz="2000" b="0" strike="noStrike" spc="-1">
+            <a:endParaRPr lang="en-GB" sz="2000" b="0" strike="noStrike" spc="-1" dirty="0">
               <a:solidFill>
                 <a:srgbClr val="000000"/>
               </a:solidFill>
@@ -28895,7 +28409,7 @@
               </a:lnSpc>
             </a:pPr>
             <a:r>
-              <a:rPr lang="zh-TW" sz="2000" b="0" strike="noStrike" spc="-1">
+              <a:rPr lang="zh-TW" sz="2000" b="0" strike="noStrike" spc="-1" dirty="0">
                 <a:solidFill>
                   <a:srgbClr val="000000"/>
                 </a:solidFill>
@@ -28905,7 +28419,7 @@
               <a:t>開發人員在每一次的 </a:t>
             </a:r>
             <a:r>
-              <a:rPr lang="en-GB" sz="2000" b="0" strike="noStrike" spc="-1">
+              <a:rPr lang="en-GB" sz="2000" b="0" strike="noStrike" spc="-1" dirty="0">
                 <a:solidFill>
                   <a:srgbClr val="000000"/>
                 </a:solidFill>
@@ -28915,7 +28429,7 @@
               <a:t>Commit &amp; Push </a:t>
             </a:r>
             <a:r>
-              <a:rPr lang="zh-TW" sz="2000" b="0" strike="noStrike" spc="-1">
+              <a:rPr lang="zh-TW" sz="2000" b="0" strike="noStrike" spc="-1" dirty="0">
                 <a:solidFill>
                   <a:srgbClr val="000000"/>
                 </a:solidFill>
@@ -28925,7 +28439,7 @@
               <a:t>後，都能夠於統一的環境自動 </a:t>
             </a:r>
             <a:r>
-              <a:rPr lang="en-GB" sz="2000" b="0" strike="noStrike" spc="-1">
+              <a:rPr lang="en-GB" sz="2000" b="0" strike="noStrike" spc="-1" dirty="0">
                 <a:solidFill>
                   <a:srgbClr val="000000"/>
                 </a:solidFill>
@@ -28935,7 +28449,7 @@
               <a:t>Build </a:t>
             </a:r>
             <a:r>
-              <a:rPr lang="zh-TW" sz="2000" b="0" strike="noStrike" spc="-1">
+              <a:rPr lang="zh-TW" sz="2000" b="0" strike="noStrike" spc="-1" dirty="0">
                 <a:solidFill>
                   <a:srgbClr val="000000"/>
                 </a:solidFill>
@@ -28945,7 +28459,7 @@
               <a:t>程式，透過此一步驟可以避免每個開發人員因本機的環境＆套件版本不相同，造成 </a:t>
             </a:r>
             <a:r>
-              <a:rPr lang="en-GB" sz="2000" b="0" strike="noStrike" spc="-1">
+              <a:rPr lang="en-GB" sz="2000" b="0" strike="noStrike" spc="-1" dirty="0">
                 <a:solidFill>
                   <a:srgbClr val="000000"/>
                 </a:solidFill>
@@ -28955,7 +28469,7 @@
               <a:t>Service </a:t>
             </a:r>
             <a:r>
-              <a:rPr lang="zh-TW" sz="2000" b="0" strike="noStrike" spc="-1">
+              <a:rPr lang="zh-TW" sz="2000" b="0" strike="noStrike" spc="-1" dirty="0">
                 <a:solidFill>
                   <a:srgbClr val="000000"/>
                 </a:solidFill>
@@ -28964,15 +28478,15 @@
               </a:rPr>
               <a:t>異常。</a:t>
             </a:r>
-            <a:endParaRPr lang="en-GB" sz="2000" b="0" strike="noStrike" spc="-1">
-              <a:solidFill>
-                <a:srgbClr val="000000"/>
-              </a:solidFill>
-              <a:latin typeface="Arial"/>
-            </a:endParaRPr>
-          </a:p>
-          <a:p>
-            <a:pPr marL="216000" indent="-216000">
+            <a:endParaRPr lang="en-GB" sz="2000" b="0" strike="noStrike" spc="-1" dirty="0">
+              <a:solidFill>
+                <a:srgbClr val="000000"/>
+              </a:solidFill>
+              <a:latin typeface="Arial"/>
+            </a:endParaRPr>
+          </a:p>
+          <a:p>
+            <a:pPr>
               <a:lnSpc>
                 <a:spcPct val="100000"/>
               </a:lnSpc>
@@ -28985,20 +28499,28 @@
               <a:buClr>
                 <a:srgbClr val="000000"/>
               </a:buClr>
-              <a:buFont typeface="OpenSymbol"/>
-              <a:buAutoNum type="arabicPeriod"/>
-            </a:pPr>
-            <a:r>
-              <a:rPr lang="zh-TW" sz="2000" b="0" strike="noStrike" spc="-1">
+            </a:pPr>
+            <a:r>
+              <a:rPr lang="en-US" altLang="zh-TW" sz="2000" b="0" strike="noStrike" spc="-1" dirty="0">
                 <a:solidFill>
                   <a:srgbClr val="000000"/>
                 </a:solidFill>
                 <a:latin typeface="Arial"/>
                 <a:ea typeface="微軟正黑體"/>
               </a:rPr>
+              <a:t>2.</a:t>
+            </a:r>
+            <a:r>
+              <a:rPr lang="zh-TW" sz="2000" b="0" strike="noStrike" spc="-1" dirty="0">
+                <a:solidFill>
+                  <a:srgbClr val="000000"/>
+                </a:solidFill>
+                <a:latin typeface="Arial"/>
+                <a:ea typeface="微軟正黑體"/>
+              </a:rPr>
               <a:t>「程式測試」</a:t>
             </a:r>
-            <a:endParaRPr lang="en-GB" sz="2000" b="0" strike="noStrike" spc="-1">
+            <a:endParaRPr lang="en-GB" sz="2000" b="0" strike="noStrike" spc="-1" dirty="0">
               <a:solidFill>
                 <a:srgbClr val="000000"/>
               </a:solidFill>
@@ -29012,7 +28534,7 @@
               </a:lnSpc>
             </a:pPr>
             <a:r>
-              <a:rPr lang="zh-TW" sz="2000" b="0" strike="noStrike" spc="-1">
+              <a:rPr lang="zh-TW" sz="2000" b="0" strike="noStrike" spc="-1" dirty="0">
                 <a:solidFill>
                   <a:srgbClr val="000000"/>
                 </a:solidFill>
@@ -29021,7 +28543,7 @@
               </a:rPr>
               <a:t>當程式編譯完成後，將會透過「單元測試」測試新寫的功能是否正確，或者確認是否有影響到現有功能，透過該步驟進行測試，可以避免掉開發人員遺忘於本機先行檢查，作為「雙重驗證」工用。</a:t>
             </a:r>
-            <a:endParaRPr lang="en-GB" sz="2000" b="0" strike="noStrike" spc="-1">
+            <a:endParaRPr lang="en-GB" sz="2000" b="0" strike="noStrike" spc="-1" dirty="0">
               <a:solidFill>
                 <a:srgbClr val="000000"/>
               </a:solidFill>
@@ -29035,7 +28557,7 @@
               </a:lnSpc>
             </a:pPr>
             <a:r>
-              <a:rPr lang="en-GB" sz="2000" b="0" strike="noStrike" spc="-1">
+              <a:rPr lang="en-GB" sz="2000" b="0" strike="noStrike" spc="-1" dirty="0">
                 <a:solidFill>
                   <a:srgbClr val="000000"/>
                 </a:solidFill>
@@ -29045,7 +28567,7 @@
               <a:t>CI </a:t>
             </a:r>
             <a:r>
-              <a:rPr lang="zh-TW" sz="2000" b="0" strike="noStrike" spc="-1">
+              <a:rPr lang="zh-TW" sz="2000" b="0" strike="noStrike" spc="-1" dirty="0">
                 <a:solidFill>
                   <a:srgbClr val="000000"/>
                 </a:solidFill>
@@ -29055,7 +28577,7 @@
               <a:t>即是上傳在</a:t>
             </a:r>
             <a:r>
-              <a:rPr lang="en-GB" sz="2000" b="0" strike="noStrike" spc="-1">
+              <a:rPr lang="en-GB" sz="2000" b="0" strike="noStrike" spc="-1" dirty="0" err="1">
                 <a:solidFill>
                   <a:srgbClr val="000000"/>
                 </a:solidFill>
@@ -29065,7 +28587,7 @@
               <a:t>github</a:t>
             </a:r>
             <a:r>
-              <a:rPr lang="zh-TW" sz="2000" b="0" strike="noStrike" spc="-1">
+              <a:rPr lang="zh-TW" sz="2000" b="0" strike="noStrike" spc="-1" dirty="0">
                 <a:solidFill>
                   <a:srgbClr val="000000"/>
                 </a:solidFill>
@@ -29075,7 +28597,7 @@
               <a:t>、</a:t>
             </a:r>
             <a:r>
-              <a:rPr lang="en-GB" sz="2000" b="0" strike="noStrike" spc="-1">
+              <a:rPr lang="en-GB" sz="2000" b="0" strike="noStrike" spc="-1" dirty="0" err="1">
                 <a:solidFill>
                   <a:srgbClr val="000000"/>
                 </a:solidFill>
@@ -29085,7 +28607,7 @@
               <a:t>gitlab</a:t>
             </a:r>
             <a:r>
-              <a:rPr lang="zh-TW" sz="2000" b="0" strike="noStrike" spc="-1">
+              <a:rPr lang="zh-TW" sz="2000" b="0" strike="noStrike" spc="-1" dirty="0">
                 <a:solidFill>
                   <a:srgbClr val="000000"/>
                 </a:solidFill>
@@ -29094,7 +28616,7 @@
               </a:rPr>
               <a:t>進行測試與整合與版本控制的動作。</a:t>
             </a:r>
-            <a:endParaRPr lang="en-GB" sz="2000" b="0" strike="noStrike" spc="-1">
+            <a:endParaRPr lang="en-GB" sz="2000" b="0" strike="noStrike" spc="-1" dirty="0">
               <a:solidFill>
                 <a:srgbClr val="000000"/>
               </a:solidFill>
@@ -29107,7 +28629,7 @@
                 <a:spcPct val="100000"/>
               </a:lnSpc>
             </a:pPr>
-            <a:endParaRPr lang="en-GB" sz="1000" b="0" strike="noStrike" spc="-1">
+            <a:endParaRPr lang="en-GB" sz="1000" b="0" strike="noStrike" spc="-1" dirty="0">
               <a:solidFill>
                 <a:srgbClr val="000000"/>
               </a:solidFill>
@@ -29132,6 +28654,7 @@
           <a:lstStyle/>
           <a:p>
             <a:fld id="{7271B2E7-735F-48CA-A323-4E58B47910BD}" type="slidenum">
+              <a:rPr/>
               <a:t>27</a:t>
             </a:fld>
             <a:endParaRPr/>
@@ -29623,6 +29146,7 @@
           <a:lstStyle/>
           <a:p>
             <a:fld id="{DE32BED5-47AF-4901-B675-C665EC95B1AD}" type="slidenum">
+              <a:rPr/>
               <a:t>28</a:t>
             </a:fld>
             <a:endParaRPr/>
@@ -29721,7 +29245,7 @@
         </p:nvGraphicFramePr>
         <p:xfrm>
           <a:off x="2737080" y="3790440"/>
-          <a:ext cx="6429960" cy="1752480"/>
+          <a:ext cx="6430320" cy="1798320"/>
         </p:xfrm>
         <a:graphic>
           <a:graphicData uri="http://schemas.openxmlformats.org/drawingml/2006/table">
@@ -31814,7 +31338,7 @@
           <p:nvPr/>
         </p:nvPicPr>
         <p:blipFill>
-          <a:blip r:embed="rId2"/>
+          <a:blip r:embed="rId3"/>
           <a:stretch/>
         </p:blipFill>
         <p:spPr>
@@ -31881,7 +31405,7 @@
                 </a:solidFill>
                 <a:uFillTx/>
                 <a:latin typeface="Arial"/>
-                <a:hlinkClick r:id="rId3"/>
+                <a:hlinkClick r:id="rId4"/>
               </a:rPr>
               <a:t>開放封閉原則 (Open–closed principle)</a:t>
             </a:r>

--- a/10questionsBeingAsked.pptx
+++ b/10questionsBeingAsked.pptx
@@ -31343,8 +31343,8 @@
         </p:blipFill>
         <p:spPr>
           <a:xfrm>
-            <a:off x="5488867" y="494100"/>
-            <a:ext cx="6399720" cy="6180480"/>
+            <a:off x="7215966" y="633600"/>
+            <a:ext cx="4729107" cy="5079240"/>
           </a:xfrm>
           <a:prstGeom prst="rect">
             <a:avLst/>
@@ -31463,341 +31463,6 @@
                 <a:spcPct val="100000"/>
               </a:lnSpc>
             </a:pPr>
-            <a:r>
-              <a:rPr lang="zh-TW" sz="1600" b="0" strike="noStrike" spc="-1" dirty="0">
-                <a:solidFill>
-                  <a:srgbClr val="000000"/>
-                </a:solidFill>
-                <a:latin typeface="Arial"/>
-                <a:ea typeface="微軟正黑體"/>
-              </a:rPr>
-              <a:t>定義</a:t>
-            </a:r>
-            <a:r>
-              <a:rPr lang="en-GB" sz="1600" b="0" strike="noStrike" spc="-1" dirty="0">
-                <a:solidFill>
-                  <a:srgbClr val="000000"/>
-                </a:solidFill>
-                <a:latin typeface="Arial"/>
-                <a:ea typeface="微軟正黑體"/>
-              </a:rPr>
-              <a:t>:</a:t>
-            </a:r>
-            <a:endParaRPr lang="en-GB" sz="1600" b="0" strike="noStrike" spc="-1" dirty="0">
-              <a:solidFill>
-                <a:srgbClr val="000000"/>
-              </a:solidFill>
-              <a:latin typeface="Arial"/>
-            </a:endParaRPr>
-          </a:p>
-          <a:p>
-            <a:pPr>
-              <a:lnSpc>
-                <a:spcPct val="100000"/>
-              </a:lnSpc>
-            </a:pPr>
-            <a:r>
-              <a:rPr lang="zh-TW" sz="1600" b="0" strike="noStrike" spc="-1" dirty="0">
-                <a:solidFill>
-                  <a:srgbClr val="000000"/>
-                </a:solidFill>
-                <a:latin typeface="Arial"/>
-                <a:ea typeface="微軟正黑體"/>
-              </a:rPr>
-              <a:t>系統一旦完成，一個類的實現。</a:t>
-            </a:r>
-            <a:endParaRPr lang="en-GB" sz="1600" b="0" strike="noStrike" spc="-1" dirty="0">
-              <a:solidFill>
-                <a:srgbClr val="000000"/>
-              </a:solidFill>
-              <a:latin typeface="Arial"/>
-            </a:endParaRPr>
-          </a:p>
-          <a:p>
-            <a:pPr>
-              <a:lnSpc>
-                <a:spcPct val="100000"/>
-              </a:lnSpc>
-            </a:pPr>
-            <a:r>
-              <a:rPr lang="zh-TW" sz="1600" b="0" strike="noStrike" spc="-1" dirty="0">
-                <a:solidFill>
-                  <a:srgbClr val="000000"/>
-                </a:solidFill>
-                <a:latin typeface="Arial"/>
-                <a:ea typeface="微軟正黑體"/>
-              </a:rPr>
-              <a:t>只應該因錯誤而修改​。</a:t>
-            </a:r>
-            <a:endParaRPr lang="en-GB" sz="1600" b="0" strike="noStrike" spc="-1" dirty="0">
-              <a:solidFill>
-                <a:srgbClr val="000000"/>
-              </a:solidFill>
-              <a:latin typeface="Arial"/>
-            </a:endParaRPr>
-          </a:p>
-          <a:p>
-            <a:pPr>
-              <a:lnSpc>
-                <a:spcPct val="100000"/>
-              </a:lnSpc>
-            </a:pPr>
-            <a:r>
-              <a:rPr lang="zh-TW" sz="1600" b="0" strike="noStrike" spc="-1" dirty="0">
-                <a:solidFill>
-                  <a:srgbClr val="000000"/>
-                </a:solidFill>
-                <a:latin typeface="Arial"/>
-                <a:ea typeface="微軟正黑體"/>
-              </a:rPr>
-              <a:t>新的或者改變的特性應該通過新建不同的類實現。</a:t>
-            </a:r>
-            <a:endParaRPr lang="en-GB" sz="1600" b="0" strike="noStrike" spc="-1" dirty="0">
-              <a:solidFill>
-                <a:srgbClr val="000000"/>
-              </a:solidFill>
-              <a:latin typeface="Arial"/>
-            </a:endParaRPr>
-          </a:p>
-          <a:p>
-            <a:pPr>
-              <a:lnSpc>
-                <a:spcPct val="100000"/>
-              </a:lnSpc>
-            </a:pPr>
-            <a:endParaRPr lang="en-GB" sz="2400" b="0" strike="noStrike" spc="-1" dirty="0">
-              <a:solidFill>
-                <a:srgbClr val="000000"/>
-              </a:solidFill>
-              <a:latin typeface="Arial"/>
-            </a:endParaRPr>
-          </a:p>
-          <a:p>
-            <a:pPr>
-              <a:lnSpc>
-                <a:spcPct val="100000"/>
-              </a:lnSpc>
-            </a:pPr>
-            <a:r>
-              <a:rPr lang="zh-TW" sz="1600" b="0" strike="noStrike" spc="-1" dirty="0">
-                <a:solidFill>
-                  <a:srgbClr val="000000"/>
-                </a:solidFill>
-                <a:latin typeface="Arial"/>
-                <a:ea typeface="微軟正黑體"/>
-              </a:rPr>
-              <a:t>一旦產品釋出。如果要再加入新的功能。</a:t>
-            </a:r>
-            <a:endParaRPr lang="en-GB" sz="1600" b="0" strike="noStrike" spc="-1" dirty="0">
-              <a:solidFill>
-                <a:srgbClr val="000000"/>
-              </a:solidFill>
-              <a:latin typeface="Arial"/>
-            </a:endParaRPr>
-          </a:p>
-          <a:p>
-            <a:pPr>
-              <a:lnSpc>
-                <a:spcPct val="100000"/>
-              </a:lnSpc>
-            </a:pPr>
-            <a:r>
-              <a:rPr lang="zh-TW" sz="1600" b="0" strike="noStrike" spc="-1" dirty="0">
-                <a:solidFill>
-                  <a:srgbClr val="000000"/>
-                </a:solidFill>
-                <a:latin typeface="Arial"/>
-                <a:ea typeface="微軟正黑體"/>
-              </a:rPr>
-              <a:t>以不影響到之前程式架構的方式。</a:t>
-            </a:r>
-            <a:endParaRPr lang="en-GB" sz="1600" b="0" strike="noStrike" spc="-1" dirty="0">
-              <a:solidFill>
-                <a:srgbClr val="000000"/>
-              </a:solidFill>
-              <a:latin typeface="Arial"/>
-            </a:endParaRPr>
-          </a:p>
-          <a:p>
-            <a:pPr>
-              <a:lnSpc>
-                <a:spcPct val="100000"/>
-              </a:lnSpc>
-            </a:pPr>
-            <a:r>
-              <a:rPr lang="zh-TW" sz="1600" b="0" strike="noStrike" spc="-1" dirty="0">
-                <a:solidFill>
-                  <a:srgbClr val="000000"/>
-                </a:solidFill>
-                <a:latin typeface="Arial"/>
-                <a:ea typeface="微軟正黑體"/>
-              </a:rPr>
-              <a:t>增添新的功能，就要創造新的模組來承載新的功能。</a:t>
-            </a:r>
-            <a:endParaRPr lang="en-GB" sz="1600" b="0" strike="noStrike" spc="-1" dirty="0">
-              <a:solidFill>
-                <a:srgbClr val="000000"/>
-              </a:solidFill>
-              <a:latin typeface="Arial"/>
-            </a:endParaRPr>
-          </a:p>
-          <a:p>
-            <a:pPr>
-              <a:lnSpc>
-                <a:spcPct val="100000"/>
-              </a:lnSpc>
-            </a:pPr>
-            <a:r>
-              <a:rPr lang="zh-TW" sz="1600" b="0" strike="noStrike" spc="-1" dirty="0">
-                <a:solidFill>
-                  <a:srgbClr val="000000"/>
-                </a:solidFill>
-                <a:latin typeface="Arial"/>
-                <a:ea typeface="微軟正黑體"/>
-              </a:rPr>
-              <a:t>勿將功能加入之前的程式。</a:t>
-            </a:r>
-            <a:endParaRPr lang="en-GB" sz="1600" b="0" strike="noStrike" spc="-1" dirty="0">
-              <a:solidFill>
-                <a:srgbClr val="000000"/>
-              </a:solidFill>
-              <a:latin typeface="Arial"/>
-            </a:endParaRPr>
-          </a:p>
-          <a:p>
-            <a:pPr>
-              <a:lnSpc>
-                <a:spcPct val="100000"/>
-              </a:lnSpc>
-            </a:pPr>
-            <a:endParaRPr lang="en-GB" sz="1600" b="0" strike="noStrike" spc="-1" dirty="0">
-              <a:solidFill>
-                <a:srgbClr val="000000"/>
-              </a:solidFill>
-              <a:latin typeface="Arial"/>
-            </a:endParaRPr>
-          </a:p>
-          <a:p>
-            <a:pPr>
-              <a:lnSpc>
-                <a:spcPct val="100000"/>
-              </a:lnSpc>
-            </a:pPr>
-            <a:r>
-              <a:rPr lang="zh-TW" sz="1600" b="0" strike="noStrike" spc="-1" dirty="0">
-                <a:solidFill>
-                  <a:srgbClr val="000000"/>
-                </a:solidFill>
-                <a:latin typeface="Arial"/>
-                <a:ea typeface="微軟正黑體"/>
-              </a:rPr>
-              <a:t>左圖為</a:t>
-            </a:r>
-            <a:r>
-              <a:rPr lang="en-GB" sz="1600" b="0" strike="noStrike" spc="-1" dirty="0">
-                <a:solidFill>
-                  <a:srgbClr val="000000"/>
-                </a:solidFill>
-                <a:latin typeface="Arial"/>
-                <a:ea typeface="微軟正黑體"/>
-              </a:rPr>
-              <a:t>MVP</a:t>
-            </a:r>
-            <a:r>
-              <a:rPr lang="zh-TW" sz="1600" b="0" strike="noStrike" spc="-1" dirty="0">
-                <a:solidFill>
-                  <a:srgbClr val="000000"/>
-                </a:solidFill>
-                <a:latin typeface="Arial"/>
-                <a:ea typeface="微軟正黑體"/>
-              </a:rPr>
-              <a:t>系統，如左圖所示。</a:t>
-            </a:r>
-            <a:endParaRPr lang="en-GB" sz="1600" b="0" strike="noStrike" spc="-1" dirty="0">
-              <a:solidFill>
-                <a:srgbClr val="000000"/>
-              </a:solidFill>
-              <a:latin typeface="Arial"/>
-            </a:endParaRPr>
-          </a:p>
-          <a:p>
-            <a:pPr>
-              <a:lnSpc>
-                <a:spcPct val="100000"/>
-              </a:lnSpc>
-            </a:pPr>
-            <a:r>
-              <a:rPr lang="zh-TW" sz="1600" b="0" strike="noStrike" spc="-1" dirty="0">
-                <a:solidFill>
-                  <a:srgbClr val="000000"/>
-                </a:solidFill>
-                <a:latin typeface="Arial"/>
-                <a:ea typeface="微軟正黑體"/>
-              </a:rPr>
-              <a:t>單向依賴的規範有效於解耦。 </a:t>
-            </a:r>
-            <a:endParaRPr lang="en-GB" sz="1600" b="0" strike="noStrike" spc="-1" dirty="0">
-              <a:solidFill>
-                <a:srgbClr val="000000"/>
-              </a:solidFill>
-              <a:latin typeface="Arial"/>
-            </a:endParaRPr>
-          </a:p>
-          <a:p>
-            <a:pPr>
-              <a:lnSpc>
-                <a:spcPct val="100000"/>
-              </a:lnSpc>
-            </a:pPr>
-            <a:endParaRPr lang="en-GB" sz="2400" b="0" strike="noStrike" spc="-1" dirty="0">
-              <a:solidFill>
-                <a:srgbClr val="000000"/>
-              </a:solidFill>
-              <a:latin typeface="Arial"/>
-            </a:endParaRPr>
-          </a:p>
-          <a:p>
-            <a:pPr>
-              <a:lnSpc>
-                <a:spcPct val="100000"/>
-              </a:lnSpc>
-            </a:pPr>
-            <a:r>
-              <a:rPr lang="en-GB" sz="2400" b="0" strike="noStrike" spc="-1" dirty="0">
-                <a:solidFill>
-                  <a:srgbClr val="000000"/>
-                </a:solidFill>
-                <a:latin typeface="Arial"/>
-                <a:ea typeface="微軟正黑體"/>
-              </a:rPr>
-              <a:t> </a:t>
-            </a:r>
-            <a:endParaRPr lang="en-GB" sz="2400" b="0" strike="noStrike" spc="-1" dirty="0">
-              <a:solidFill>
-                <a:srgbClr val="000000"/>
-              </a:solidFill>
-              <a:latin typeface="Arial"/>
-            </a:endParaRPr>
-          </a:p>
-          <a:p>
-            <a:pPr>
-              <a:lnSpc>
-                <a:spcPct val="100000"/>
-              </a:lnSpc>
-            </a:pPr>
-            <a:endParaRPr lang="en-GB" sz="1800" b="0" strike="noStrike" spc="-1" dirty="0">
-              <a:solidFill>
-                <a:srgbClr val="000000"/>
-              </a:solidFill>
-              <a:latin typeface="Arial"/>
-            </a:endParaRPr>
-          </a:p>
-          <a:p>
-            <a:pPr>
-              <a:lnSpc>
-                <a:spcPct val="100000"/>
-              </a:lnSpc>
-            </a:pPr>
             <a:endParaRPr lang="en-GB" sz="1000" b="0" strike="noStrike" spc="-1" dirty="0">
               <a:solidFill>
                 <a:srgbClr val="000000"/>
@@ -31830,6 +31495,36 @@
           </a:p>
         </p:txBody>
       </p:sp>
+      <p:pic>
+        <p:nvPicPr>
+          <p:cNvPr id="4" name="圖片 3">
+            <a:extLst>
+              <a:ext uri="{FF2B5EF4-FFF2-40B4-BE49-F238E27FC236}">
+                <a16:creationId xmlns:a16="http://schemas.microsoft.com/office/drawing/2014/main" id="{38D41882-12ED-86AA-A476-54C8FBADD180}"/>
+              </a:ext>
+            </a:extLst>
+          </p:cNvPr>
+          <p:cNvPicPr>
+            <a:picLocks noChangeAspect="1"/>
+          </p:cNvPicPr>
+          <p:nvPr/>
+        </p:nvPicPr>
+        <p:blipFill>
+          <a:blip r:embed="rId5"/>
+          <a:stretch>
+            <a:fillRect/>
+          </a:stretch>
+        </p:blipFill>
+        <p:spPr>
+          <a:xfrm>
+            <a:off x="0" y="1231675"/>
+            <a:ext cx="6742187" cy="4186325"/>
+          </a:xfrm>
+          <a:prstGeom prst="rect">
+            <a:avLst/>
+          </a:prstGeom>
+        </p:spPr>
+      </p:pic>
     </p:spTree>
   </p:cSld>
   <p:clrMapOvr>
